--- a/Sesion_4/Sesion_4.pptx
+++ b/Sesion_4/Sesion_4.pptx
@@ -406,7 +406,7 @@
   <pc:docChgLst>
     <pc:chgData name="JHEYSON FABIAN VILLAVISAN BUITRAGO" userId="e5ced5c2-d787-455d-b115-4f08a699b8c8" providerId="ADAL" clId="{43CD82EC-B284-4EA6-8C2F-FEF84E1A756B}"/>
     <pc:docChg chg="undo custSel modSld">
-      <pc:chgData name="JHEYSON FABIAN VILLAVISAN BUITRAGO" userId="e5ced5c2-d787-455d-b115-4f08a699b8c8" providerId="ADAL" clId="{43CD82EC-B284-4EA6-8C2F-FEF84E1A756B}" dt="2025-02-10T21:57:31.475" v="746" actId="313"/>
+      <pc:chgData name="JHEYSON FABIAN VILLAVISAN BUITRAGO" userId="e5ced5c2-d787-455d-b115-4f08a699b8c8" providerId="ADAL" clId="{43CD82EC-B284-4EA6-8C2F-FEF84E1A756B}" dt="2025-02-11T16:16:27.918" v="773" actId="14100"/>
       <pc:docMkLst>
         <pc:docMk/>
       </pc:docMkLst>
@@ -426,13 +426,28 @@
         </pc:spChg>
       </pc:sldChg>
       <pc:sldChg chg="modSp mod">
-        <pc:chgData name="JHEYSON FABIAN VILLAVISAN BUITRAGO" userId="e5ced5c2-d787-455d-b115-4f08a699b8c8" providerId="ADAL" clId="{43CD82EC-B284-4EA6-8C2F-FEF84E1A756B}" dt="2025-02-10T21:57:31.475" v="746" actId="313"/>
+        <pc:chgData name="JHEYSON FABIAN VILLAVISAN BUITRAGO" userId="e5ced5c2-d787-455d-b115-4f08a699b8c8" providerId="ADAL" clId="{43CD82EC-B284-4EA6-8C2F-FEF84E1A756B}" dt="2025-02-11T12:17:10.647" v="772" actId="20577"/>
+        <pc:sldMkLst>
+          <pc:docMk/>
+          <pc:sldMk cId="2965408220" sldId="280"/>
+        </pc:sldMkLst>
+        <pc:spChg chg="mod">
+          <ac:chgData name="JHEYSON FABIAN VILLAVISAN BUITRAGO" userId="e5ced5c2-d787-455d-b115-4f08a699b8c8" providerId="ADAL" clId="{43CD82EC-B284-4EA6-8C2F-FEF84E1A756B}" dt="2025-02-11T12:17:10.647" v="772" actId="20577"/>
+          <ac:spMkLst>
+            <pc:docMk/>
+            <pc:sldMk cId="2965408220" sldId="280"/>
+            <ac:spMk id="11266" creationId="{74AD047A-E86C-4E92-874D-BAA043AB0B46}"/>
+          </ac:spMkLst>
+        </pc:spChg>
+      </pc:sldChg>
+      <pc:sldChg chg="modSp mod">
+        <pc:chgData name="JHEYSON FABIAN VILLAVISAN BUITRAGO" userId="e5ced5c2-d787-455d-b115-4f08a699b8c8" providerId="ADAL" clId="{43CD82EC-B284-4EA6-8C2F-FEF84E1A756B}" dt="2025-02-11T16:16:27.918" v="773" actId="14100"/>
         <pc:sldMkLst>
           <pc:docMk/>
           <pc:sldMk cId="4035662027" sldId="286"/>
         </pc:sldMkLst>
         <pc:spChg chg="mod">
-          <ac:chgData name="JHEYSON FABIAN VILLAVISAN BUITRAGO" userId="e5ced5c2-d787-455d-b115-4f08a699b8c8" providerId="ADAL" clId="{43CD82EC-B284-4EA6-8C2F-FEF84E1A756B}" dt="2025-02-10T21:57:31.475" v="746" actId="313"/>
+          <ac:chgData name="JHEYSON FABIAN VILLAVISAN BUITRAGO" userId="e5ced5c2-d787-455d-b115-4f08a699b8c8" providerId="ADAL" clId="{43CD82EC-B284-4EA6-8C2F-FEF84E1A756B}" dt="2025-02-11T16:16:27.918" v="773" actId="14100"/>
           <ac:spMkLst>
             <pc:docMk/>
             <pc:sldMk cId="4035662027" sldId="286"/>
@@ -1102,7 +1117,7 @@
               <a:pPr>
                 <a:defRPr/>
               </a:pPr>
-              <a:t>10/02/2025</a:t>
+              <a:t>11/02/2025</a:t>
             </a:fld>
             <a:endParaRPr lang="es-CO"/>
           </a:p>
@@ -1345,7 +1360,7 @@
               <a:pPr>
                 <a:defRPr/>
               </a:pPr>
-              <a:t>10/02/2025</a:t>
+              <a:t>11/02/2025</a:t>
             </a:fld>
             <a:endParaRPr lang="es-CO"/>
           </a:p>
@@ -2421,7 +2436,7 @@
           <a:p>
             <a:fld id="{9CF7635E-2D71-42E7-9E6C-FBB85A15A85F}" type="datetimeFigureOut">
               <a:rPr lang="es-CO" smtClean="0"/>
-              <a:t>10/02/2025</a:t>
+              <a:t>11/02/2025</a:t>
             </a:fld>
             <a:endParaRPr lang="es-CO"/>
           </a:p>
@@ -2687,7 +2702,7 @@
           <a:p>
             <a:fld id="{9CF7635E-2D71-42E7-9E6C-FBB85A15A85F}" type="datetimeFigureOut">
               <a:rPr lang="es-CO" smtClean="0"/>
-              <a:t>10/02/2025</a:t>
+              <a:t>11/02/2025</a:t>
             </a:fld>
             <a:endParaRPr lang="es-CO"/>
           </a:p>
@@ -2903,7 +2918,7 @@
           <a:p>
             <a:fld id="{9CF7635E-2D71-42E7-9E6C-FBB85A15A85F}" type="datetimeFigureOut">
               <a:rPr lang="es-CO" smtClean="0"/>
-              <a:t>10/02/2025</a:t>
+              <a:t>11/02/2025</a:t>
             </a:fld>
             <a:endParaRPr lang="es-CO"/>
           </a:p>
@@ -4532,7 +4547,7 @@
           <a:p>
             <a:fld id="{9CF7635E-2D71-42E7-9E6C-FBB85A15A85F}" type="datetimeFigureOut">
               <a:rPr lang="es-CO" smtClean="0"/>
-              <a:t>10/02/2025</a:t>
+              <a:t>11/02/2025</a:t>
             </a:fld>
             <a:endParaRPr lang="es-CO"/>
           </a:p>
@@ -4979,7 +4994,7 @@
           <a:p>
             <a:fld id="{9CF7635E-2D71-42E7-9E6C-FBB85A15A85F}" type="datetimeFigureOut">
               <a:rPr lang="es-CO" smtClean="0"/>
-              <a:t>10/02/2025</a:t>
+              <a:t>11/02/2025</a:t>
             </a:fld>
             <a:endParaRPr lang="es-CO"/>
           </a:p>
@@ -5253,7 +5268,7 @@
           <a:p>
             <a:fld id="{9CF7635E-2D71-42E7-9E6C-FBB85A15A85F}" type="datetimeFigureOut">
               <a:rPr lang="es-CO" smtClean="0"/>
-              <a:t>10/02/2025</a:t>
+              <a:t>11/02/2025</a:t>
             </a:fld>
             <a:endParaRPr lang="es-CO"/>
           </a:p>
@@ -5674,7 +5689,7 @@
           <a:p>
             <a:fld id="{9CF7635E-2D71-42E7-9E6C-FBB85A15A85F}" type="datetimeFigureOut">
               <a:rPr lang="es-CO" smtClean="0"/>
-              <a:t>10/02/2025</a:t>
+              <a:t>11/02/2025</a:t>
             </a:fld>
             <a:endParaRPr lang="es-CO"/>
           </a:p>
@@ -5822,7 +5837,7 @@
           <a:p>
             <a:fld id="{9CF7635E-2D71-42E7-9E6C-FBB85A15A85F}" type="datetimeFigureOut">
               <a:rPr lang="es-CO" smtClean="0"/>
-              <a:t>10/02/2025</a:t>
+              <a:t>11/02/2025</a:t>
             </a:fld>
             <a:endParaRPr lang="es-CO"/>
           </a:p>
@@ -5941,7 +5956,7 @@
           <a:p>
             <a:fld id="{9CF7635E-2D71-42E7-9E6C-FBB85A15A85F}" type="datetimeFigureOut">
               <a:rPr lang="es-CO" smtClean="0"/>
-              <a:t>10/02/2025</a:t>
+              <a:t>11/02/2025</a:t>
             </a:fld>
             <a:endParaRPr lang="es-CO"/>
           </a:p>
@@ -6260,7 +6275,7 @@
           <a:p>
             <a:fld id="{9CF7635E-2D71-42E7-9E6C-FBB85A15A85F}" type="datetimeFigureOut">
               <a:rPr lang="es-CO" smtClean="0"/>
-              <a:t>10/02/2025</a:t>
+              <a:t>11/02/2025</a:t>
             </a:fld>
             <a:endParaRPr lang="es-CO"/>
           </a:p>
@@ -6555,7 +6570,7 @@
           <a:p>
             <a:fld id="{9CF7635E-2D71-42E7-9E6C-FBB85A15A85F}" type="datetimeFigureOut">
               <a:rPr lang="es-CO" smtClean="0"/>
-              <a:t>10/02/2025</a:t>
+              <a:t>11/02/2025</a:t>
             </a:fld>
             <a:endParaRPr lang="es-CO"/>
           </a:p>
@@ -6804,7 +6819,7 @@
           <a:p>
             <a:fld id="{9CF7635E-2D71-42E7-9E6C-FBB85A15A85F}" type="datetimeFigureOut">
               <a:rPr lang="es-CO" smtClean="0"/>
-              <a:t>10/02/2025</a:t>
+              <a:t>11/02/2025</a:t>
             </a:fld>
             <a:endParaRPr lang="es-CO"/>
           </a:p>
@@ -7878,7 +7893,7 @@
             <a:pPr algn="ctr" eaLnBrk="1" hangingPunct="1"/>
             <a:r>
               <a:rPr lang="es-CO" altLang="es-CO" sz="3600" dirty="0"/>
-              <a:t>4</a:t>
+              <a:t>2</a:t>
             </a:r>
           </a:p>
         </p:txBody>
@@ -12830,7 +12845,7 @@
         <p:spPr>
           <a:xfrm>
             <a:off x="899592" y="2288363"/>
-            <a:ext cx="7432589" cy="1605049"/>
+            <a:ext cx="7432589" cy="3516901"/>
           </a:xfrm>
         </p:spPr>
         <p:txBody>
@@ -12961,7 +12976,20 @@
               <a:rPr lang="es-CO" sz="1400" b="1" dirty="0">
                 <a:latin typeface="+mj-lt"/>
               </a:rPr>
-              <a:t>Al usuario 1000 (Implemente un contador) se le dará un premio (El grupo define el sistema de notificación ej. Sonoro o visual etc.). El sistema debe almacenar en memoria la fecha y hora de este evento (RTC+EEPROM).</a:t>
+              <a:t>Al usuario 1000 (Implemente un contador) se le dará un premio (El grupo define el sistema de notificación ej. Sonoro o visual etc.). El sistema debe almacenar en memoria la fecha y hora de este evento (RTC</a:t>
+            </a:r>
+            <a:r>
+              <a:rPr lang="es-CO" sz="1400" b="1" dirty="0">
+                <a:latin typeface="+mj-lt"/>
+                <a:sym typeface="Wingdings" panose="05000000000000000000" pitchFamily="2" charset="2"/>
+              </a:rPr>
+              <a:t></a:t>
+            </a:r>
+            <a:r>
+              <a:rPr lang="es-CO" sz="1400" b="1" dirty="0">
+                <a:latin typeface="+mj-lt"/>
+              </a:rPr>
+              <a:t> EEPROM).</a:t>
             </a:r>
             <a:endParaRPr lang="es-CO" sz="1400" b="1" noProof="0" dirty="0">
               <a:latin typeface="+mj-lt"/>
@@ -14318,14 +14346,6 @@
 </file>
 
 <file path=customXml/item1.xml><?xml version="1.0" encoding="utf-8"?>
-<p:properties xmlns:p="http://schemas.microsoft.com/office/2006/metadata/properties" xmlns:xsi="http://www.w3.org/2001/XMLSchema-instance" xmlns:pc="http://schemas.microsoft.com/office/infopath/2007/PartnerControls">
-  <documentManagement>
-    <_activity xmlns="bdc56f61-abc0-4f7e-bfec-a93ccd1ae886" xsi:nil="true"/>
-  </documentManagement>
-</p:properties>
-</file>
-
-<file path=customXml/item2.xml><?xml version="1.0" encoding="utf-8"?>
 <?mso-contentType ?>
 <FormTemplates xmlns="http://schemas.microsoft.com/sharepoint/v3/contenttype/forms">
   <Display>DocumentLibraryForm</Display>
@@ -14334,7 +14354,7 @@
 </FormTemplates>
 </file>
 
-<file path=customXml/item3.xml><?xml version="1.0" encoding="utf-8"?>
+<file path=customXml/item2.xml><?xml version="1.0" encoding="utf-8"?>
 <ct:contentTypeSchema xmlns:ct="http://schemas.microsoft.com/office/2006/metadata/contentType" xmlns:ma="http://schemas.microsoft.com/office/2006/metadata/properties/metaAttributes" ct:_="" ma:_="" ma:contentTypeName="Documento" ma:contentTypeID="0x0101007A62137D465CE64A8C883A4664514BF8" ma:contentTypeVersion="15" ma:contentTypeDescription="Crear nuevo documento." ma:contentTypeScope="" ma:versionID="a1bd1d59f691eb9bca6952b111268275">
   <xsd:schema xmlns:xsd="http://www.w3.org/2001/XMLSchema" xmlns:xs="http://www.w3.org/2001/XMLSchema" xmlns:p="http://schemas.microsoft.com/office/2006/metadata/properties" xmlns:ns3="669280c1-d17e-4d1d-bd7f-b4f14cc6bf1d" xmlns:ns4="bdc56f61-abc0-4f7e-bfec-a93ccd1ae886" targetNamespace="http://schemas.microsoft.com/office/2006/metadata/properties" ma:root="true" ma:fieldsID="d02990a02f19f0f9fc7b999b1809cae4" ns3:_="" ns4:_="">
     <xsd:import namespace="669280c1-d17e-4d1d-bd7f-b4f14cc6bf1d"/>
@@ -14569,24 +14589,15 @@
 </ct:contentTypeSchema>
 </file>
 
-<file path=customXml/itemProps1.xml><?xml version="1.0" encoding="utf-8"?>
-<ds:datastoreItem xmlns:ds="http://schemas.openxmlformats.org/officeDocument/2006/customXml" ds:itemID="{0825853C-1B27-4995-A583-4D39F900BB7F}">
-  <ds:schemaRefs>
-    <ds:schemaRef ds:uri="http://schemas.microsoft.com/office/2006/documentManagement/types"/>
-    <ds:schemaRef ds:uri="http://purl.org/dc/dcmitype/"/>
-    <ds:schemaRef ds:uri="http://schemas.openxmlformats.org/package/2006/metadata/core-properties"/>
-    <ds:schemaRef ds:uri="669280c1-d17e-4d1d-bd7f-b4f14cc6bf1d"/>
-    <ds:schemaRef ds:uri="http://purl.org/dc/elements/1.1/"/>
-    <ds:schemaRef ds:uri="http://purl.org/dc/terms/"/>
-    <ds:schemaRef ds:uri="http://schemas.microsoft.com/office/infopath/2007/PartnerControls"/>
-    <ds:schemaRef ds:uri="bdc56f61-abc0-4f7e-bfec-a93ccd1ae886"/>
-    <ds:schemaRef ds:uri="http://schemas.microsoft.com/office/2006/metadata/properties"/>
-    <ds:schemaRef ds:uri="http://www.w3.org/XML/1998/namespace"/>
-  </ds:schemaRefs>
-</ds:datastoreItem>
+<file path=customXml/item3.xml><?xml version="1.0" encoding="utf-8"?>
+<p:properties xmlns:p="http://schemas.microsoft.com/office/2006/metadata/properties" xmlns:xsi="http://www.w3.org/2001/XMLSchema-instance" xmlns:pc="http://schemas.microsoft.com/office/infopath/2007/PartnerControls">
+  <documentManagement>
+    <_activity xmlns="bdc56f61-abc0-4f7e-bfec-a93ccd1ae886" xsi:nil="true"/>
+  </documentManagement>
+</p:properties>
 </file>
 
-<file path=customXml/itemProps2.xml><?xml version="1.0" encoding="utf-8"?>
+<file path=customXml/itemProps1.xml><?xml version="1.0" encoding="utf-8"?>
 <ds:datastoreItem xmlns:ds="http://schemas.openxmlformats.org/officeDocument/2006/customXml" ds:itemID="{4E8623C8-32E1-48B0-9F0A-13F2E9582B7E}">
   <ds:schemaRefs>
     <ds:schemaRef ds:uri="http://schemas.microsoft.com/sharepoint/v3/contenttype/forms"/>
@@ -14594,7 +14605,7 @@
 </ds:datastoreItem>
 </file>
 
-<file path=customXml/itemProps3.xml><?xml version="1.0" encoding="utf-8"?>
+<file path=customXml/itemProps2.xml><?xml version="1.0" encoding="utf-8"?>
 <ds:datastoreItem xmlns:ds="http://schemas.openxmlformats.org/officeDocument/2006/customXml" ds:itemID="{025820C3-FD82-4EFC-BF14-EAF1F9613F52}">
   <ds:schemaRefs>
     <ds:schemaRef ds:uri="http://schemas.microsoft.com/office/2006/metadata/contentType"/>
@@ -14611,4 +14622,21 @@
     <ds:schemaRef ds:uri="http://schemas.microsoft.com/internal/obd"/>
   </ds:schemaRefs>
 </ds:datastoreItem>
+</file>
+
+<file path=customXml/itemProps3.xml><?xml version="1.0" encoding="utf-8"?>
+<ds:datastoreItem xmlns:ds="http://schemas.openxmlformats.org/officeDocument/2006/customXml" ds:itemID="{0825853C-1B27-4995-A583-4D39F900BB7F}">
+  <ds:schemaRefs>
+    <ds:schemaRef ds:uri="http://schemas.microsoft.com/office/2006/documentManagement/types"/>
+    <ds:schemaRef ds:uri="http://purl.org/dc/dcmitype/"/>
+    <ds:schemaRef ds:uri="http://schemas.openxmlformats.org/package/2006/metadata/core-properties"/>
+    <ds:schemaRef ds:uri="669280c1-d17e-4d1d-bd7f-b4f14cc6bf1d"/>
+    <ds:schemaRef ds:uri="http://purl.org/dc/elements/1.1/"/>
+    <ds:schemaRef ds:uri="http://purl.org/dc/terms/"/>
+    <ds:schemaRef ds:uri="http://schemas.microsoft.com/office/infopath/2007/PartnerControls"/>
+    <ds:schemaRef ds:uri="bdc56f61-abc0-4f7e-bfec-a93ccd1ae886"/>
+    <ds:schemaRef ds:uri="http://schemas.microsoft.com/office/2006/metadata/properties"/>
+    <ds:schemaRef ds:uri="http://www.w3.org/XML/1998/namespace"/>
+  </ds:schemaRefs>
+</ds:datastoreItem>
 </file>
--- a/Sesion_4/Sesion_4.pptx
+++ b/Sesion_4/Sesion_4.pptx
@@ -5,16 +5,18 @@
     <p:sldMasterId id="2147483778" r:id="rId4"/>
   </p:sldMasterIdLst>
   <p:notesMasterIdLst>
-    <p:notesMasterId r:id="rId9"/>
+    <p:notesMasterId r:id="rId11"/>
   </p:notesMasterIdLst>
   <p:handoutMasterIdLst>
-    <p:handoutMasterId r:id="rId10"/>
+    <p:handoutMasterId r:id="rId12"/>
   </p:handoutMasterIdLst>
   <p:sldIdLst>
     <p:sldId id="256" r:id="rId5"/>
     <p:sldId id="280" r:id="rId6"/>
     <p:sldId id="274" r:id="rId7"/>
-    <p:sldId id="286" r:id="rId8"/>
+    <p:sldId id="287" r:id="rId8"/>
+    <p:sldId id="288" r:id="rId9"/>
+    <p:sldId id="286" r:id="rId10"/>
   </p:sldIdLst>
   <p:sldSz cx="9144000" cy="6858000" type="letter"/>
   <p:notesSz cx="6858000" cy="9144000"/>
@@ -121,6 +123,8 @@
             <p14:sldId id="256"/>
             <p14:sldId id="280"/>
             <p14:sldId id="274"/>
+            <p14:sldId id="287"/>
+            <p14:sldId id="288"/>
             <p14:sldId id="286"/>
           </p14:sldIdLst>
         </p14:section>
@@ -156,6 +160,14 @@
     </p:ext>
   </p:extLst>
 </p:presentation>
+</file>
+
+<file path=ppt/revisionInfo.xml><?xml version="1.0" encoding="utf-8"?>
+<p1510:revInfo xmlns:a="http://schemas.openxmlformats.org/drawingml/2006/main" xmlns:r="http://schemas.openxmlformats.org/officeDocument/2006/relationships" xmlns:p1510="http://schemas.microsoft.com/office/powerpoint/2015/10/main">
+  <p1510:revLst>
+    <p1510:client id="{F11EE31B-66E0-4D0E-949B-9643BE337176}" v="2" dt="2025-04-03T14:35:51.597"/>
+  </p1510:revLst>
+</p1510:revInfo>
 </file>
 
 <file path=ppt/changesInfos/changesInfo1.xml><?xml version="1.0" encoding="utf-8"?>
@@ -838,6 +850,99 @@
     </pc:docChg>
   </pc:docChgLst>
   <pc:docChgLst>
+    <pc:chgData name="JHEYSON FABIAN VILLAVISAN BUITRAGO" userId="e5ced5c2-d787-455d-b115-4f08a699b8c8" providerId="ADAL" clId="{F11EE31B-66E0-4D0E-949B-9643BE337176}"/>
+    <pc:docChg chg="custSel addSld modSld">
+      <pc:chgData name="JHEYSON FABIAN VILLAVISAN BUITRAGO" userId="e5ced5c2-d787-455d-b115-4f08a699b8c8" providerId="ADAL" clId="{F11EE31B-66E0-4D0E-949B-9643BE337176}" dt="2025-04-03T14:36:32.060" v="286" actId="20577"/>
+      <pc:docMkLst>
+        <pc:docMk/>
+      </pc:docMkLst>
+      <pc:sldChg chg="modSp mod">
+        <pc:chgData name="JHEYSON FABIAN VILLAVISAN BUITRAGO" userId="e5ced5c2-d787-455d-b115-4f08a699b8c8" providerId="ADAL" clId="{F11EE31B-66E0-4D0E-949B-9643BE337176}" dt="2025-03-25T15:32:52.429" v="0" actId="13926"/>
+        <pc:sldMkLst>
+          <pc:docMk/>
+          <pc:sldMk cId="2965408220" sldId="280"/>
+        </pc:sldMkLst>
+        <pc:graphicFrameChg chg="modGraphic">
+          <ac:chgData name="JHEYSON FABIAN VILLAVISAN BUITRAGO" userId="e5ced5c2-d787-455d-b115-4f08a699b8c8" providerId="ADAL" clId="{F11EE31B-66E0-4D0E-949B-9643BE337176}" dt="2025-03-25T15:32:52.429" v="0" actId="13926"/>
+          <ac:graphicFrameMkLst>
+            <pc:docMk/>
+            <pc:sldMk cId="2965408220" sldId="280"/>
+            <ac:graphicFrameMk id="6" creationId="{D45444DB-DE93-829B-F32A-C3FB962F868B}"/>
+          </ac:graphicFrameMkLst>
+        </pc:graphicFrameChg>
+      </pc:sldChg>
+      <pc:sldChg chg="modSp mod">
+        <pc:chgData name="JHEYSON FABIAN VILLAVISAN BUITRAGO" userId="e5ced5c2-d787-455d-b115-4f08a699b8c8" providerId="ADAL" clId="{F11EE31B-66E0-4D0E-949B-9643BE337176}" dt="2025-04-03T14:36:32.060" v="286" actId="20577"/>
+        <pc:sldMkLst>
+          <pc:docMk/>
+          <pc:sldMk cId="4035662027" sldId="286"/>
+        </pc:sldMkLst>
+        <pc:spChg chg="mod">
+          <ac:chgData name="JHEYSON FABIAN VILLAVISAN BUITRAGO" userId="e5ced5c2-d787-455d-b115-4f08a699b8c8" providerId="ADAL" clId="{F11EE31B-66E0-4D0E-949B-9643BE337176}" dt="2025-04-03T14:36:32.060" v="286" actId="20577"/>
+          <ac:spMkLst>
+            <pc:docMk/>
+            <pc:sldMk cId="4035662027" sldId="286"/>
+            <ac:spMk id="10" creationId="{F963AE1B-BA6C-6901-0CBF-73BCCDFF8622}"/>
+          </ac:spMkLst>
+        </pc:spChg>
+      </pc:sldChg>
+      <pc:sldChg chg="modSp add mod">
+        <pc:chgData name="JHEYSON FABIAN VILLAVISAN BUITRAGO" userId="e5ced5c2-d787-455d-b115-4f08a699b8c8" providerId="ADAL" clId="{F11EE31B-66E0-4D0E-949B-9643BE337176}" dt="2025-04-03T14:35:49.539" v="239" actId="20577"/>
+        <pc:sldMkLst>
+          <pc:docMk/>
+          <pc:sldMk cId="785442396" sldId="287"/>
+        </pc:sldMkLst>
+        <pc:spChg chg="mod">
+          <ac:chgData name="JHEYSON FABIAN VILLAVISAN BUITRAGO" userId="e5ced5c2-d787-455d-b115-4f08a699b8c8" providerId="ADAL" clId="{F11EE31B-66E0-4D0E-949B-9643BE337176}" dt="2025-04-03T14:35:49.539" v="239" actId="20577"/>
+          <ac:spMkLst>
+            <pc:docMk/>
+            <pc:sldMk cId="785442396" sldId="287"/>
+            <ac:spMk id="2" creationId="{5FF4961B-D7D4-8FFE-796A-C79202D88CFC}"/>
+          </ac:spMkLst>
+        </pc:spChg>
+        <pc:spChg chg="mod">
+          <ac:chgData name="JHEYSON FABIAN VILLAVISAN BUITRAGO" userId="e5ced5c2-d787-455d-b115-4f08a699b8c8" providerId="ADAL" clId="{F11EE31B-66E0-4D0E-949B-9643BE337176}" dt="2025-04-03T14:34:05.314" v="237" actId="20577"/>
+          <ac:spMkLst>
+            <pc:docMk/>
+            <pc:sldMk cId="785442396" sldId="287"/>
+            <ac:spMk id="4" creationId="{D4B7A90A-8975-9B65-47F7-E7765E998ECB}"/>
+          </ac:spMkLst>
+        </pc:spChg>
+      </pc:sldChg>
+      <pc:sldChg chg="modSp add mod">
+        <pc:chgData name="JHEYSON FABIAN VILLAVISAN BUITRAGO" userId="e5ced5c2-d787-455d-b115-4f08a699b8c8" providerId="ADAL" clId="{F11EE31B-66E0-4D0E-949B-9643BE337176}" dt="2025-04-03T14:36:29.546" v="285" actId="20577"/>
+        <pc:sldMkLst>
+          <pc:docMk/>
+          <pc:sldMk cId="2367633575" sldId="288"/>
+        </pc:sldMkLst>
+        <pc:spChg chg="mod">
+          <ac:chgData name="JHEYSON FABIAN VILLAVISAN BUITRAGO" userId="e5ced5c2-d787-455d-b115-4f08a699b8c8" providerId="ADAL" clId="{F11EE31B-66E0-4D0E-949B-9643BE337176}" dt="2025-04-03T14:35:54.072" v="241" actId="20577"/>
+          <ac:spMkLst>
+            <pc:docMk/>
+            <pc:sldMk cId="2367633575" sldId="288"/>
+            <ac:spMk id="2" creationId="{A4904CAD-CBBD-2481-6F78-AD9EE0339A52}"/>
+          </ac:spMkLst>
+        </pc:spChg>
+        <pc:spChg chg="mod">
+          <ac:chgData name="JHEYSON FABIAN VILLAVISAN BUITRAGO" userId="e5ced5c2-d787-455d-b115-4f08a699b8c8" providerId="ADAL" clId="{F11EE31B-66E0-4D0E-949B-9643BE337176}" dt="2025-04-03T14:36:14.897" v="284" actId="20577"/>
+          <ac:spMkLst>
+            <pc:docMk/>
+            <pc:sldMk cId="2367633575" sldId="288"/>
+            <ac:spMk id="4" creationId="{9A636854-3477-DDBE-0D70-3BA2F9DEE34C}"/>
+          </ac:spMkLst>
+        </pc:spChg>
+        <pc:spChg chg="mod">
+          <ac:chgData name="JHEYSON FABIAN VILLAVISAN BUITRAGO" userId="e5ced5c2-d787-455d-b115-4f08a699b8c8" providerId="ADAL" clId="{F11EE31B-66E0-4D0E-949B-9643BE337176}" dt="2025-04-03T14:36:29.546" v="285" actId="20577"/>
+          <ac:spMkLst>
+            <pc:docMk/>
+            <pc:sldMk cId="2367633575" sldId="288"/>
+            <ac:spMk id="10" creationId="{E793B3AB-3600-2CE0-B360-235E3B074522}"/>
+          </ac:spMkLst>
+        </pc:spChg>
+      </pc:sldChg>
+    </pc:docChg>
+  </pc:docChgLst>
+  <pc:docChgLst>
     <pc:chgData name="JHEYSON FABIAN VILLAVISAN BUITRAGO" userId="e5ced5c2-d787-455d-b115-4f08a699b8c8" providerId="ADAL" clId="{F69EE950-3628-46BE-B11E-4B71D6E99989}"/>
     <pc:docChg chg="custSel addSld delSld modSld modSection">
       <pc:chgData name="JHEYSON FABIAN VILLAVISAN BUITRAGO" userId="e5ced5c2-d787-455d-b115-4f08a699b8c8" providerId="ADAL" clId="{F69EE950-3628-46BE-B11E-4B71D6E99989}" dt="2025-02-06T17:37:50.427" v="962"/>
@@ -1117,7 +1222,7 @@
               <a:pPr>
                 <a:defRPr/>
               </a:pPr>
-              <a:t>11/02/2025</a:t>
+              <a:t>3/04/2025</a:t>
             </a:fld>
             <a:endParaRPr lang="es-CO"/>
           </a:p>
@@ -1360,7 +1465,7 @@
               <a:pPr>
                 <a:defRPr/>
               </a:pPr>
-              <a:t>11/02/2025</a:t>
+              <a:t>3/04/2025</a:t>
             </a:fld>
             <a:endParaRPr lang="es-CO"/>
           </a:p>
@@ -2436,7 +2541,7 @@
           <a:p>
             <a:fld id="{9CF7635E-2D71-42E7-9E6C-FBB85A15A85F}" type="datetimeFigureOut">
               <a:rPr lang="es-CO" smtClean="0"/>
-              <a:t>11/02/2025</a:t>
+              <a:t>3/04/2025</a:t>
             </a:fld>
             <a:endParaRPr lang="es-CO"/>
           </a:p>
@@ -2702,7 +2807,7 @@
           <a:p>
             <a:fld id="{9CF7635E-2D71-42E7-9E6C-FBB85A15A85F}" type="datetimeFigureOut">
               <a:rPr lang="es-CO" smtClean="0"/>
-              <a:t>11/02/2025</a:t>
+              <a:t>3/04/2025</a:t>
             </a:fld>
             <a:endParaRPr lang="es-CO"/>
           </a:p>
@@ -2918,7 +3023,7 @@
           <a:p>
             <a:fld id="{9CF7635E-2D71-42E7-9E6C-FBB85A15A85F}" type="datetimeFigureOut">
               <a:rPr lang="es-CO" smtClean="0"/>
-              <a:t>11/02/2025</a:t>
+              <a:t>3/04/2025</a:t>
             </a:fld>
             <a:endParaRPr lang="es-CO"/>
           </a:p>
@@ -4547,7 +4652,7 @@
           <a:p>
             <a:fld id="{9CF7635E-2D71-42E7-9E6C-FBB85A15A85F}" type="datetimeFigureOut">
               <a:rPr lang="es-CO" smtClean="0"/>
-              <a:t>11/02/2025</a:t>
+              <a:t>3/04/2025</a:t>
             </a:fld>
             <a:endParaRPr lang="es-CO"/>
           </a:p>
@@ -4994,7 +5099,7 @@
           <a:p>
             <a:fld id="{9CF7635E-2D71-42E7-9E6C-FBB85A15A85F}" type="datetimeFigureOut">
               <a:rPr lang="es-CO" smtClean="0"/>
-              <a:t>11/02/2025</a:t>
+              <a:t>3/04/2025</a:t>
             </a:fld>
             <a:endParaRPr lang="es-CO"/>
           </a:p>
@@ -5268,7 +5373,7 @@
           <a:p>
             <a:fld id="{9CF7635E-2D71-42E7-9E6C-FBB85A15A85F}" type="datetimeFigureOut">
               <a:rPr lang="es-CO" smtClean="0"/>
-              <a:t>11/02/2025</a:t>
+              <a:t>3/04/2025</a:t>
             </a:fld>
             <a:endParaRPr lang="es-CO"/>
           </a:p>
@@ -5689,7 +5794,7 @@
           <a:p>
             <a:fld id="{9CF7635E-2D71-42E7-9E6C-FBB85A15A85F}" type="datetimeFigureOut">
               <a:rPr lang="es-CO" smtClean="0"/>
-              <a:t>11/02/2025</a:t>
+              <a:t>3/04/2025</a:t>
             </a:fld>
             <a:endParaRPr lang="es-CO"/>
           </a:p>
@@ -5837,7 +5942,7 @@
           <a:p>
             <a:fld id="{9CF7635E-2D71-42E7-9E6C-FBB85A15A85F}" type="datetimeFigureOut">
               <a:rPr lang="es-CO" smtClean="0"/>
-              <a:t>11/02/2025</a:t>
+              <a:t>3/04/2025</a:t>
             </a:fld>
             <a:endParaRPr lang="es-CO"/>
           </a:p>
@@ -5956,7 +6061,7 @@
           <a:p>
             <a:fld id="{9CF7635E-2D71-42E7-9E6C-FBB85A15A85F}" type="datetimeFigureOut">
               <a:rPr lang="es-CO" smtClean="0"/>
-              <a:t>11/02/2025</a:t>
+              <a:t>3/04/2025</a:t>
             </a:fld>
             <a:endParaRPr lang="es-CO"/>
           </a:p>
@@ -6275,7 +6380,7 @@
           <a:p>
             <a:fld id="{9CF7635E-2D71-42E7-9E6C-FBB85A15A85F}" type="datetimeFigureOut">
               <a:rPr lang="es-CO" smtClean="0"/>
-              <a:t>11/02/2025</a:t>
+              <a:t>3/04/2025</a:t>
             </a:fld>
             <a:endParaRPr lang="es-CO"/>
           </a:p>
@@ -6570,7 +6675,7 @@
           <a:p>
             <a:fld id="{9CF7635E-2D71-42E7-9E6C-FBB85A15A85F}" type="datetimeFigureOut">
               <a:rPr lang="es-CO" smtClean="0"/>
-              <a:t>11/02/2025</a:t>
+              <a:t>3/04/2025</a:t>
             </a:fld>
             <a:endParaRPr lang="es-CO"/>
           </a:p>
@@ -6819,7 +6924,7 @@
           <a:p>
             <a:fld id="{9CF7635E-2D71-42E7-9E6C-FBB85A15A85F}" type="datetimeFigureOut">
               <a:rPr lang="es-CO" smtClean="0"/>
-              <a:t>11/02/2025</a:t>
+              <a:t>3/04/2025</a:t>
             </a:fld>
             <a:endParaRPr lang="es-CO"/>
           </a:p>
@@ -8445,7 +8550,13 @@
           <p:cNvGraphicFramePr>
             <a:graphicFrameLocks noGrp="1"/>
           </p:cNvGraphicFramePr>
-          <p:nvPr/>
+          <p:nvPr>
+            <p:extLst>
+              <p:ext uri="{D42A27DB-BD31-4B8C-83A1-F6EECF244321}">
+                <p14:modId xmlns:p14="http://schemas.microsoft.com/office/powerpoint/2010/main" val="3346241205"/>
+              </p:ext>
+            </p:extLst>
+          </p:nvPr>
         </p:nvGraphicFramePr>
         <p:xfrm>
           <a:off x="863588" y="620688"/>
@@ -9259,43 +9370,23 @@
                         <a:defRPr/>
                       </a:pPr>
                       <a:r>
-                        <a:rPr lang="es-CO" sz="1000" dirty="0" err="1">
-                          <a:highlight>
-                            <a:srgbClr val="00FFFF"/>
-                          </a:highlight>
-                        </a:rPr>
+                        <a:rPr lang="es-CO" sz="1000" dirty="0" err="1"/>
                         <a:t>PSoC</a:t>
                       </a:r>
                       <a:r>
-                        <a:rPr lang="es-CO" sz="1000" dirty="0">
-                          <a:highlight>
-                            <a:srgbClr val="00FFFF"/>
-                          </a:highlight>
-                        </a:rPr>
+                        <a:rPr lang="es-CO" sz="1000" dirty="0"/>
                         <a:t> </a:t>
                       </a:r>
                       <a:r>
-                        <a:rPr lang="es-CO" sz="1000" dirty="0" err="1">
-                          <a:highlight>
-                            <a:srgbClr val="00FFFF"/>
-                          </a:highlight>
-                        </a:rPr>
+                        <a:rPr lang="es-CO" sz="1000" dirty="0" err="1"/>
                         <a:t>Creator</a:t>
                       </a:r>
-                      <a:endParaRPr lang="es-CO" sz="1000" dirty="0">
-                        <a:highlight>
-                          <a:srgbClr val="00FFFF"/>
-                        </a:highlight>
-                      </a:endParaRPr>
+                      <a:endParaRPr lang="es-CO" sz="1000" dirty="0"/>
                     </a:p>
                     <a:p>
                       <a:pPr algn="ctr"/>
                       <a:r>
-                        <a:rPr lang="es-CO" sz="1000" dirty="0">
-                          <a:highlight>
-                            <a:srgbClr val="00FFFF"/>
-                          </a:highlight>
-                        </a:rPr>
+                        <a:rPr lang="es-CO" sz="1000" dirty="0"/>
                         <a:t>GPIO y sistemas Lógico – combinacionales</a:t>
                       </a:r>
                     </a:p>
@@ -9318,34 +9409,18 @@
                         <a:defRPr/>
                       </a:pPr>
                       <a:r>
-                        <a:rPr lang="es-CO" sz="1000" dirty="0" err="1">
-                          <a:highlight>
-                            <a:srgbClr val="00FFFF"/>
-                          </a:highlight>
-                        </a:rPr>
+                        <a:rPr lang="es-CO" sz="1000" dirty="0" err="1"/>
                         <a:t>Debouncer</a:t>
                       </a:r>
                       <a:r>
-                        <a:rPr lang="es-CO" sz="1000" dirty="0">
-                          <a:highlight>
-                            <a:srgbClr val="00FFFF"/>
-                          </a:highlight>
-                        </a:rPr>
+                        <a:rPr lang="es-CO" sz="1000" dirty="0"/>
                         <a:t> y </a:t>
                       </a:r>
                       <a:r>
-                        <a:rPr lang="es-CO" sz="1000" dirty="0" err="1">
-                          <a:highlight>
-                            <a:srgbClr val="00FFFF"/>
-                          </a:highlight>
-                        </a:rPr>
+                        <a:rPr lang="es-CO" sz="1000" dirty="0" err="1"/>
                         <a:t>Debugging</a:t>
                       </a:r>
-                      <a:endParaRPr lang="es-CO" sz="1000" dirty="0">
-                        <a:highlight>
-                          <a:srgbClr val="00FFFF"/>
-                        </a:highlight>
-                      </a:endParaRPr>
+                      <a:endParaRPr lang="es-CO" sz="1000" dirty="0"/>
                     </a:p>
                   </a:txBody>
                   <a:tcPr>
@@ -12763,6 +12838,1231 @@
         <p:cNvPr id="1" name="">
           <a:extLst>
             <a:ext uri="{FF2B5EF4-FFF2-40B4-BE49-F238E27FC236}">
+              <a16:creationId xmlns:a16="http://schemas.microsoft.com/office/drawing/2014/main" id="{205EF805-F483-8BF6-78FC-60384784DA21}"/>
+            </a:ext>
+          </a:extLst>
+        </p:cNvPr>
+        <p:cNvGrpSpPr/>
+        <p:nvPr/>
+      </p:nvGrpSpPr>
+      <p:grpSpPr>
+        <a:xfrm>
+          <a:off x="0" y="0"/>
+          <a:ext cx="0" cy="0"/>
+          <a:chOff x="0" y="0"/>
+          <a:chExt cx="0" cy="0"/>
+        </a:xfrm>
+      </p:grpSpPr>
+      <p:sp>
+        <p:nvSpPr>
+          <p:cNvPr id="2" name="Título 1">
+            <a:extLst>
+              <a:ext uri="{FF2B5EF4-FFF2-40B4-BE49-F238E27FC236}">
+                <a16:creationId xmlns:a16="http://schemas.microsoft.com/office/drawing/2014/main" id="{5FF4961B-D7D4-8FFE-796A-C79202D88CFC}"/>
+              </a:ext>
+            </a:extLst>
+          </p:cNvPr>
+          <p:cNvSpPr>
+            <a:spLocks noGrp="1"/>
+          </p:cNvSpPr>
+          <p:nvPr>
+            <p:ph type="title"/>
+          </p:nvPr>
+        </p:nvSpPr>
+        <p:spPr>
+          <a:xfrm>
+            <a:off x="1032565" y="1126313"/>
+            <a:ext cx="5987707" cy="1162050"/>
+          </a:xfrm>
+        </p:spPr>
+        <p:txBody>
+          <a:bodyPr>
+            <a:normAutofit/>
+          </a:bodyPr>
+          <a:lstStyle/>
+          <a:p>
+            <a:pPr algn="l">
+              <a:spcBef>
+                <a:spcPts val="750"/>
+              </a:spcBef>
+              <a:spcAft>
+                <a:spcPts val="750"/>
+              </a:spcAft>
+            </a:pPr>
+            <a:r>
+              <a:rPr lang="en-US" sz="3200" b="1" i="0" dirty="0" err="1">
+                <a:effectLst/>
+              </a:rPr>
+              <a:t>Ejercicio</a:t>
+            </a:r>
+            <a:r>
+              <a:rPr lang="en-US" sz="3200" b="1" i="0" dirty="0">
+                <a:effectLst/>
+              </a:rPr>
+              <a:t> 1</a:t>
+            </a:r>
+          </a:p>
+        </p:txBody>
+      </p:sp>
+      <p:sp>
+        <p:nvSpPr>
+          <p:cNvPr id="4" name="Marcador de texto 3">
+            <a:extLst>
+              <a:ext uri="{FF2B5EF4-FFF2-40B4-BE49-F238E27FC236}">
+                <a16:creationId xmlns:a16="http://schemas.microsoft.com/office/drawing/2014/main" id="{D4B7A90A-8975-9B65-47F7-E7765E998ECB}"/>
+              </a:ext>
+            </a:extLst>
+          </p:cNvPr>
+          <p:cNvSpPr>
+            <a:spLocks noGrp="1"/>
+          </p:cNvSpPr>
+          <p:nvPr>
+            <p:ph type="body" sz="half" idx="2"/>
+          </p:nvPr>
+        </p:nvSpPr>
+        <p:spPr>
+          <a:xfrm>
+            <a:off x="899592" y="2288363"/>
+            <a:ext cx="7432589" cy="1605049"/>
+          </a:xfrm>
+        </p:spPr>
+        <p:txBody>
+          <a:bodyPr>
+            <a:noAutofit/>
+          </a:bodyPr>
+          <a:lstStyle/>
+          <a:p>
+            <a:pPr algn="l"/>
+            <a:r>
+              <a:rPr lang="es-CO" sz="1800" b="1" noProof="0" dirty="0">
+                <a:latin typeface="+mj-lt"/>
+              </a:rPr>
+              <a:t>Diseñe un algoritmo que pulsos en un botón y cuando llegue a 6 encienda un led</a:t>
+            </a:r>
+            <a:r>
+              <a:rPr lang="es-CO" sz="1800" b="1" dirty="0">
+                <a:latin typeface="+mj-lt"/>
+              </a:rPr>
+              <a:t> </a:t>
+            </a:r>
+          </a:p>
+          <a:p>
+            <a:pPr algn="l"/>
+            <a:r>
+              <a:rPr lang="es-CO" sz="1800" b="1" noProof="0" dirty="0">
+                <a:latin typeface="+mj-lt"/>
+              </a:rPr>
+              <a:t>Y cuando llegue a 0 apague el led. </a:t>
+            </a:r>
+          </a:p>
+        </p:txBody>
+      </p:sp>
+      <p:sp>
+        <p:nvSpPr>
+          <p:cNvPr id="10" name="1 Título">
+            <a:extLst>
+              <a:ext uri="{FF2B5EF4-FFF2-40B4-BE49-F238E27FC236}">
+                <a16:creationId xmlns:a16="http://schemas.microsoft.com/office/drawing/2014/main" id="{20E2EDED-74F2-80A5-DCD0-566AF25D0C81}"/>
+              </a:ext>
+            </a:extLst>
+          </p:cNvPr>
+          <p:cNvSpPr txBox="1">
+            <a:spLocks/>
+          </p:cNvSpPr>
+          <p:nvPr/>
+        </p:nvSpPr>
+        <p:spPr bwMode="auto">
+          <a:xfrm>
+            <a:off x="0" y="-28575"/>
+            <a:ext cx="779463" cy="720725"/>
+          </a:xfrm>
+          <a:prstGeom prst="rect">
+            <a:avLst/>
+          </a:prstGeom>
+          <a:noFill/>
+          <a:ln>
+            <a:noFill/>
+          </a:ln>
+          <a:extLst>
+            <a:ext uri="{909E8E84-426E-40DD-AFC4-6F175D3DCCD1}">
+              <a14:hiddenFill xmlns:a14="http://schemas.microsoft.com/office/drawing/2010/main">
+                <a:solidFill>
+                  <a:srgbClr val="FFFFFF"/>
+                </a:solidFill>
+              </a14:hiddenFill>
+            </a:ext>
+            <a:ext uri="{91240B29-F687-4F45-9708-019B960494DF}">
+              <a14:hiddenLine xmlns:a14="http://schemas.microsoft.com/office/drawing/2010/main" w="9525">
+                <a:solidFill>
+                  <a:srgbClr val="000000"/>
+                </a:solidFill>
+                <a:miter lim="800000"/>
+                <a:headEnd/>
+                <a:tailEnd/>
+              </a14:hiddenLine>
+            </a:ext>
+          </a:extLst>
+        </p:spPr>
+        <p:txBody>
+          <a:bodyPr vert="horz" wrap="square" lIns="91440" tIns="45720" rIns="91440" bIns="45720" numCol="1" anchor="b" anchorCtr="0" compatLnSpc="1">
+            <a:prstTxWarp prst="textNoShape">
+              <a:avLst/>
+            </a:prstTxWarp>
+          </a:bodyPr>
+          <a:lstStyle>
+            <a:lvl1pPr algn="l" rtl="0" eaLnBrk="0" fontAlgn="base" hangingPunct="0">
+              <a:spcBef>
+                <a:spcPct val="0"/>
+              </a:spcBef>
+              <a:spcAft>
+                <a:spcPct val="0"/>
+              </a:spcAft>
+              <a:defRPr sz="2000" b="1" kern="1200">
+                <a:solidFill>
+                  <a:schemeClr val="tx1"/>
+                </a:solidFill>
+                <a:latin typeface="Arial" pitchFamily="34" charset="0"/>
+                <a:ea typeface="+mj-ea"/>
+                <a:cs typeface="Arial" pitchFamily="34" charset="0"/>
+              </a:defRPr>
+            </a:lvl1pPr>
+            <a:lvl2pPr algn="l" rtl="0" eaLnBrk="0" fontAlgn="base" hangingPunct="0">
+              <a:spcBef>
+                <a:spcPct val="0"/>
+              </a:spcBef>
+              <a:spcAft>
+                <a:spcPct val="0"/>
+              </a:spcAft>
+              <a:defRPr sz="4400">
+                <a:solidFill>
+                  <a:schemeClr val="tx1"/>
+                </a:solidFill>
+                <a:latin typeface="Arial" charset="0"/>
+                <a:cs typeface="Arial" charset="0"/>
+              </a:defRPr>
+            </a:lvl2pPr>
+            <a:lvl3pPr algn="l" rtl="0" eaLnBrk="0" fontAlgn="base" hangingPunct="0">
+              <a:spcBef>
+                <a:spcPct val="0"/>
+              </a:spcBef>
+              <a:spcAft>
+                <a:spcPct val="0"/>
+              </a:spcAft>
+              <a:defRPr sz="4400">
+                <a:solidFill>
+                  <a:schemeClr val="tx1"/>
+                </a:solidFill>
+                <a:latin typeface="Arial" charset="0"/>
+                <a:cs typeface="Arial" charset="0"/>
+              </a:defRPr>
+            </a:lvl3pPr>
+            <a:lvl4pPr algn="l" rtl="0" eaLnBrk="0" fontAlgn="base" hangingPunct="0">
+              <a:spcBef>
+                <a:spcPct val="0"/>
+              </a:spcBef>
+              <a:spcAft>
+                <a:spcPct val="0"/>
+              </a:spcAft>
+              <a:defRPr sz="4400">
+                <a:solidFill>
+                  <a:schemeClr val="tx1"/>
+                </a:solidFill>
+                <a:latin typeface="Arial" charset="0"/>
+                <a:cs typeface="Arial" charset="0"/>
+              </a:defRPr>
+            </a:lvl4pPr>
+            <a:lvl5pPr algn="l" rtl="0" eaLnBrk="0" fontAlgn="base" hangingPunct="0">
+              <a:spcBef>
+                <a:spcPct val="0"/>
+              </a:spcBef>
+              <a:spcAft>
+                <a:spcPct val="0"/>
+              </a:spcAft>
+              <a:defRPr sz="4400">
+                <a:solidFill>
+                  <a:schemeClr val="tx1"/>
+                </a:solidFill>
+                <a:latin typeface="Arial" charset="0"/>
+                <a:cs typeface="Arial" charset="0"/>
+              </a:defRPr>
+            </a:lvl5pPr>
+            <a:lvl6pPr marL="457200" algn="l" rtl="0" fontAlgn="base">
+              <a:spcBef>
+                <a:spcPct val="0"/>
+              </a:spcBef>
+              <a:spcAft>
+                <a:spcPct val="0"/>
+              </a:spcAft>
+              <a:defRPr sz="4400">
+                <a:solidFill>
+                  <a:schemeClr val="tx1"/>
+                </a:solidFill>
+                <a:latin typeface="Arial" charset="0"/>
+                <a:cs typeface="Arial" charset="0"/>
+              </a:defRPr>
+            </a:lvl6pPr>
+            <a:lvl7pPr marL="914400" algn="l" rtl="0" fontAlgn="base">
+              <a:spcBef>
+                <a:spcPct val="0"/>
+              </a:spcBef>
+              <a:spcAft>
+                <a:spcPct val="0"/>
+              </a:spcAft>
+              <a:defRPr sz="4400">
+                <a:solidFill>
+                  <a:schemeClr val="tx1"/>
+                </a:solidFill>
+                <a:latin typeface="Arial" charset="0"/>
+                <a:cs typeface="Arial" charset="0"/>
+              </a:defRPr>
+            </a:lvl7pPr>
+            <a:lvl8pPr marL="1371600" algn="l" rtl="0" fontAlgn="base">
+              <a:spcBef>
+                <a:spcPct val="0"/>
+              </a:spcBef>
+              <a:spcAft>
+                <a:spcPct val="0"/>
+              </a:spcAft>
+              <a:defRPr sz="4400">
+                <a:solidFill>
+                  <a:schemeClr val="tx1"/>
+                </a:solidFill>
+                <a:latin typeface="Arial" charset="0"/>
+                <a:cs typeface="Arial" charset="0"/>
+              </a:defRPr>
+            </a:lvl8pPr>
+            <a:lvl9pPr marL="1828800" algn="l" rtl="0" fontAlgn="base">
+              <a:spcBef>
+                <a:spcPct val="0"/>
+              </a:spcBef>
+              <a:spcAft>
+                <a:spcPct val="0"/>
+              </a:spcAft>
+              <a:defRPr sz="4400">
+                <a:solidFill>
+                  <a:schemeClr val="tx1"/>
+                </a:solidFill>
+                <a:latin typeface="Arial" charset="0"/>
+                <a:cs typeface="Arial" charset="0"/>
+              </a:defRPr>
+            </a:lvl9pPr>
+          </a:lstStyle>
+          <a:p>
+            <a:pPr algn="ctr" eaLnBrk="1" hangingPunct="1"/>
+            <a:r>
+              <a:rPr lang="es-CO" altLang="es-CO" sz="3200" b="0" dirty="0"/>
+              <a:t>4</a:t>
+            </a:r>
+            <a:endParaRPr lang="es-CO" altLang="es-CO" sz="3600" b="0" dirty="0"/>
+          </a:p>
+        </p:txBody>
+      </p:sp>
+      <p:pic>
+        <p:nvPicPr>
+          <p:cNvPr id="14" name="Picture 4" descr="Programas - Intranet ETITC">
+            <a:extLst>
+              <a:ext uri="{FF2B5EF4-FFF2-40B4-BE49-F238E27FC236}">
+                <a16:creationId xmlns:a16="http://schemas.microsoft.com/office/drawing/2014/main" id="{05716AF8-6AC0-9161-5BCC-BB83075DA5A1}"/>
+              </a:ext>
+            </a:extLst>
+          </p:cNvPr>
+          <p:cNvPicPr>
+            <a:picLocks noChangeAspect="1" noChangeArrowheads="1"/>
+          </p:cNvPicPr>
+          <p:nvPr/>
+        </p:nvPicPr>
+        <p:blipFill>
+          <a:blip r:embed="rId2">
+            <a:extLst>
+              <a:ext uri="{28A0092B-C50C-407E-A947-70E740481C1C}">
+                <a14:useLocalDpi xmlns:a14="http://schemas.microsoft.com/office/drawing/2010/main" val="0"/>
+              </a:ext>
+            </a:extLst>
+          </a:blip>
+          <a:srcRect/>
+          <a:stretch>
+            <a:fillRect/>
+          </a:stretch>
+        </p:blipFill>
+        <p:spPr bwMode="auto">
+          <a:xfrm>
+            <a:off x="795338" y="44758"/>
+            <a:ext cx="2483768" cy="794720"/>
+          </a:xfrm>
+          <a:prstGeom prst="rect">
+            <a:avLst/>
+          </a:prstGeom>
+          <a:noFill/>
+          <a:extLst>
+            <a:ext uri="{909E8E84-426E-40DD-AFC4-6F175D3DCCD1}">
+              <a14:hiddenFill xmlns:a14="http://schemas.microsoft.com/office/drawing/2010/main">
+                <a:solidFill>
+                  <a:srgbClr val="FFFFFF"/>
+                </a:solidFill>
+              </a14:hiddenFill>
+            </a:ext>
+          </a:extLst>
+        </p:spPr>
+      </p:pic>
+      <p:sp>
+        <p:nvSpPr>
+          <p:cNvPr id="5" name="2 Subtítulo">
+            <a:extLst>
+              <a:ext uri="{FF2B5EF4-FFF2-40B4-BE49-F238E27FC236}">
+                <a16:creationId xmlns:a16="http://schemas.microsoft.com/office/drawing/2014/main" id="{33987CFD-4F0C-F881-B1D3-761619DF6F1D}"/>
+              </a:ext>
+            </a:extLst>
+          </p:cNvPr>
+          <p:cNvSpPr txBox="1">
+            <a:spLocks/>
+          </p:cNvSpPr>
+          <p:nvPr/>
+        </p:nvSpPr>
+        <p:spPr bwMode="auto">
+          <a:xfrm>
+            <a:off x="2267744" y="259824"/>
+            <a:ext cx="6400800" cy="500063"/>
+          </a:xfrm>
+          <a:prstGeom prst="rect">
+            <a:avLst/>
+          </a:prstGeom>
+          <a:noFill/>
+          <a:ln>
+            <a:noFill/>
+          </a:ln>
+          <a:extLst>
+            <a:ext uri="{909E8E84-426E-40DD-AFC4-6F175D3DCCD1}">
+              <a14:hiddenFill xmlns:a14="http://schemas.microsoft.com/office/drawing/2010/main">
+                <a:solidFill>
+                  <a:srgbClr val="FFFFFF"/>
+                </a:solidFill>
+              </a14:hiddenFill>
+            </a:ext>
+            <a:ext uri="{91240B29-F687-4F45-9708-019B960494DF}">
+              <a14:hiddenLine xmlns:a14="http://schemas.microsoft.com/office/drawing/2010/main" w="9525">
+                <a:solidFill>
+                  <a:srgbClr val="000000"/>
+                </a:solidFill>
+                <a:miter lim="800000"/>
+                <a:headEnd/>
+                <a:tailEnd/>
+              </a14:hiddenLine>
+            </a:ext>
+          </a:extLst>
+        </p:spPr>
+        <p:txBody>
+          <a:bodyPr vert="horz" wrap="square" lIns="91440" tIns="45720" rIns="91440" bIns="45720" numCol="1" rtlCol="0" anchor="t" anchorCtr="0" compatLnSpc="1">
+            <a:prstTxWarp prst="textNoShape">
+              <a:avLst/>
+            </a:prstTxWarp>
+            <a:noAutofit/>
+          </a:bodyPr>
+          <a:lstStyle>
+            <a:lvl1pPr marL="342900" indent="-342900" algn="l" rtl="0" eaLnBrk="0" fontAlgn="base" hangingPunct="0">
+              <a:spcBef>
+                <a:spcPct val="20000"/>
+              </a:spcBef>
+              <a:spcAft>
+                <a:spcPct val="0"/>
+              </a:spcAft>
+              <a:buFont typeface="Arial" panose="020B0604020202020204" pitchFamily="34" charset="0"/>
+              <a:buChar char="•"/>
+              <a:defRPr sz="3200" kern="1200">
+                <a:solidFill>
+                  <a:schemeClr val="tx1"/>
+                </a:solidFill>
+                <a:latin typeface="Arial" pitchFamily="34" charset="0"/>
+                <a:ea typeface="+mn-ea"/>
+                <a:cs typeface="Arial" pitchFamily="34" charset="0"/>
+              </a:defRPr>
+            </a:lvl1pPr>
+            <a:lvl2pPr marL="742950" indent="-285750" algn="l" rtl="0" eaLnBrk="0" fontAlgn="base" hangingPunct="0">
+              <a:spcBef>
+                <a:spcPct val="20000"/>
+              </a:spcBef>
+              <a:spcAft>
+                <a:spcPct val="0"/>
+              </a:spcAft>
+              <a:buFont typeface="Arial" panose="020B0604020202020204" pitchFamily="34" charset="0"/>
+              <a:buChar char="–"/>
+              <a:defRPr sz="2800" kern="1200">
+                <a:solidFill>
+                  <a:schemeClr val="tx1"/>
+                </a:solidFill>
+                <a:latin typeface="Arial" pitchFamily="34" charset="0"/>
+                <a:ea typeface="+mn-ea"/>
+                <a:cs typeface="Arial" pitchFamily="34" charset="0"/>
+              </a:defRPr>
+            </a:lvl2pPr>
+            <a:lvl3pPr marL="1143000" indent="-228600" algn="l" rtl="0" eaLnBrk="0" fontAlgn="base" hangingPunct="0">
+              <a:spcBef>
+                <a:spcPct val="20000"/>
+              </a:spcBef>
+              <a:spcAft>
+                <a:spcPct val="0"/>
+              </a:spcAft>
+              <a:buFont typeface="Arial" panose="020B0604020202020204" pitchFamily="34" charset="0"/>
+              <a:buChar char="•"/>
+              <a:defRPr sz="2400" kern="1200">
+                <a:solidFill>
+                  <a:schemeClr val="tx1"/>
+                </a:solidFill>
+                <a:latin typeface="Arial" pitchFamily="34" charset="0"/>
+                <a:ea typeface="+mn-ea"/>
+                <a:cs typeface="Arial" pitchFamily="34" charset="0"/>
+              </a:defRPr>
+            </a:lvl3pPr>
+            <a:lvl4pPr marL="1600200" indent="-228600" algn="l" rtl="0" eaLnBrk="0" fontAlgn="base" hangingPunct="0">
+              <a:spcBef>
+                <a:spcPct val="20000"/>
+              </a:spcBef>
+              <a:spcAft>
+                <a:spcPct val="0"/>
+              </a:spcAft>
+              <a:buFont typeface="Arial" panose="020B0604020202020204" pitchFamily="34" charset="0"/>
+              <a:buChar char="–"/>
+              <a:defRPr sz="2000" kern="1200">
+                <a:solidFill>
+                  <a:schemeClr val="tx1"/>
+                </a:solidFill>
+                <a:latin typeface="Arial" pitchFamily="34" charset="0"/>
+                <a:ea typeface="+mn-ea"/>
+                <a:cs typeface="Arial" pitchFamily="34" charset="0"/>
+              </a:defRPr>
+            </a:lvl4pPr>
+            <a:lvl5pPr marL="2057400" indent="-228600" algn="l" rtl="0" eaLnBrk="0" fontAlgn="base" hangingPunct="0">
+              <a:spcBef>
+                <a:spcPct val="20000"/>
+              </a:spcBef>
+              <a:spcAft>
+                <a:spcPct val="0"/>
+              </a:spcAft>
+              <a:buFont typeface="Arial" panose="020B0604020202020204" pitchFamily="34" charset="0"/>
+              <a:buChar char="»"/>
+              <a:defRPr sz="2000" kern="1200">
+                <a:solidFill>
+                  <a:schemeClr val="tx1"/>
+                </a:solidFill>
+                <a:latin typeface="Arial" pitchFamily="34" charset="0"/>
+                <a:ea typeface="+mn-ea"/>
+                <a:cs typeface="Arial" pitchFamily="34" charset="0"/>
+              </a:defRPr>
+            </a:lvl5pPr>
+            <a:lvl6pPr marL="2514600" indent="-228600" algn="l" defTabSz="914400" rtl="0" eaLnBrk="1" latinLnBrk="0" hangingPunct="1">
+              <a:spcBef>
+                <a:spcPct val="20000"/>
+              </a:spcBef>
+              <a:buFont typeface="Arial" pitchFamily="34" charset="0"/>
+              <a:buChar char="•"/>
+              <a:defRPr sz="2000" kern="1200">
+                <a:solidFill>
+                  <a:schemeClr val="tx1"/>
+                </a:solidFill>
+                <a:latin typeface="+mn-lt"/>
+                <a:ea typeface="+mn-ea"/>
+                <a:cs typeface="+mn-cs"/>
+              </a:defRPr>
+            </a:lvl6pPr>
+            <a:lvl7pPr marL="2971800" indent="-228600" algn="l" defTabSz="914400" rtl="0" eaLnBrk="1" latinLnBrk="0" hangingPunct="1">
+              <a:spcBef>
+                <a:spcPct val="20000"/>
+              </a:spcBef>
+              <a:buFont typeface="Arial" pitchFamily="34" charset="0"/>
+              <a:buChar char="•"/>
+              <a:defRPr sz="2000" kern="1200">
+                <a:solidFill>
+                  <a:schemeClr val="tx1"/>
+                </a:solidFill>
+                <a:latin typeface="+mn-lt"/>
+                <a:ea typeface="+mn-ea"/>
+                <a:cs typeface="+mn-cs"/>
+              </a:defRPr>
+            </a:lvl7pPr>
+            <a:lvl8pPr marL="3429000" indent="-228600" algn="l" defTabSz="914400" rtl="0" eaLnBrk="1" latinLnBrk="0" hangingPunct="1">
+              <a:spcBef>
+                <a:spcPct val="20000"/>
+              </a:spcBef>
+              <a:buFont typeface="Arial" pitchFamily="34" charset="0"/>
+              <a:buChar char="•"/>
+              <a:defRPr sz="2000" kern="1200">
+                <a:solidFill>
+                  <a:schemeClr val="tx1"/>
+                </a:solidFill>
+                <a:latin typeface="+mn-lt"/>
+                <a:ea typeface="+mn-ea"/>
+                <a:cs typeface="+mn-cs"/>
+              </a:defRPr>
+            </a:lvl8pPr>
+            <a:lvl9pPr marL="3886200" indent="-228600" algn="l" defTabSz="914400" rtl="0" eaLnBrk="1" latinLnBrk="0" hangingPunct="1">
+              <a:spcBef>
+                <a:spcPct val="20000"/>
+              </a:spcBef>
+              <a:buFont typeface="Arial" pitchFamily="34" charset="0"/>
+              <a:buChar char="•"/>
+              <a:defRPr sz="2000" kern="1200">
+                <a:solidFill>
+                  <a:schemeClr val="tx1"/>
+                </a:solidFill>
+                <a:latin typeface="+mn-lt"/>
+                <a:ea typeface="+mn-ea"/>
+                <a:cs typeface="+mn-cs"/>
+              </a:defRPr>
+            </a:lvl9pPr>
+          </a:lstStyle>
+          <a:p>
+            <a:pPr marL="0" indent="0" algn="r" eaLnBrk="1" fontAlgn="auto" hangingPunct="1">
+              <a:spcAft>
+                <a:spcPts val="0"/>
+              </a:spcAft>
+              <a:buNone/>
+              <a:defRPr/>
+            </a:pPr>
+            <a:r>
+              <a:rPr lang="es-CO" sz="2000" b="1" dirty="0">
+                <a:solidFill>
+                  <a:schemeClr val="tx1">
+                    <a:lumMod val="75000"/>
+                    <a:lumOff val="25000"/>
+                  </a:schemeClr>
+                </a:solidFill>
+              </a:rPr>
+              <a:t> 6025 MICROCONTROLADORES</a:t>
+            </a:r>
+          </a:p>
+        </p:txBody>
+      </p:sp>
+    </p:spTree>
+    <p:extLst>
+      <p:ext uri="{BB962C8B-B14F-4D97-AF65-F5344CB8AC3E}">
+        <p14:creationId xmlns:p14="http://schemas.microsoft.com/office/powerpoint/2010/main" val="785442396"/>
+      </p:ext>
+    </p:extLst>
+  </p:cSld>
+  <p:clrMapOvr>
+    <a:masterClrMapping/>
+  </p:clrMapOvr>
+</p:sld>
+</file>
+
+<file path=ppt/slides/slide5.xml><?xml version="1.0" encoding="utf-8"?>
+<p:sld xmlns:a="http://schemas.openxmlformats.org/drawingml/2006/main" xmlns:r="http://schemas.openxmlformats.org/officeDocument/2006/relationships" xmlns:p="http://schemas.openxmlformats.org/presentationml/2006/main">
+  <p:cSld>
+    <p:spTree>
+      <p:nvGrpSpPr>
+        <p:cNvPr id="1" name="">
+          <a:extLst>
+            <a:ext uri="{FF2B5EF4-FFF2-40B4-BE49-F238E27FC236}">
+              <a16:creationId xmlns:a16="http://schemas.microsoft.com/office/drawing/2014/main" id="{19A7674E-EA3A-720D-A2A3-FF7D819B4C79}"/>
+            </a:ext>
+          </a:extLst>
+        </p:cNvPr>
+        <p:cNvGrpSpPr/>
+        <p:nvPr/>
+      </p:nvGrpSpPr>
+      <p:grpSpPr>
+        <a:xfrm>
+          <a:off x="0" y="0"/>
+          <a:ext cx="0" cy="0"/>
+          <a:chOff x="0" y="0"/>
+          <a:chExt cx="0" cy="0"/>
+        </a:xfrm>
+      </p:grpSpPr>
+      <p:sp>
+        <p:nvSpPr>
+          <p:cNvPr id="2" name="Título 1">
+            <a:extLst>
+              <a:ext uri="{FF2B5EF4-FFF2-40B4-BE49-F238E27FC236}">
+                <a16:creationId xmlns:a16="http://schemas.microsoft.com/office/drawing/2014/main" id="{A4904CAD-CBBD-2481-6F78-AD9EE0339A52}"/>
+              </a:ext>
+            </a:extLst>
+          </p:cNvPr>
+          <p:cNvSpPr>
+            <a:spLocks noGrp="1"/>
+          </p:cNvSpPr>
+          <p:nvPr>
+            <p:ph type="title"/>
+          </p:nvPr>
+        </p:nvSpPr>
+        <p:spPr>
+          <a:xfrm>
+            <a:off x="1032565" y="1126313"/>
+            <a:ext cx="5987707" cy="1162050"/>
+          </a:xfrm>
+        </p:spPr>
+        <p:txBody>
+          <a:bodyPr>
+            <a:normAutofit/>
+          </a:bodyPr>
+          <a:lstStyle/>
+          <a:p>
+            <a:pPr algn="l">
+              <a:spcBef>
+                <a:spcPts val="750"/>
+              </a:spcBef>
+              <a:spcAft>
+                <a:spcPts val="750"/>
+              </a:spcAft>
+            </a:pPr>
+            <a:r>
+              <a:rPr lang="en-US" sz="3200" b="1" i="0" dirty="0" err="1">
+                <a:effectLst/>
+              </a:rPr>
+              <a:t>Ejercicio</a:t>
+            </a:r>
+            <a:r>
+              <a:rPr lang="en-US" sz="3200" b="1" i="0" dirty="0">
+                <a:effectLst/>
+              </a:rPr>
+              <a:t> 2</a:t>
+            </a:r>
+          </a:p>
+        </p:txBody>
+      </p:sp>
+      <p:sp>
+        <p:nvSpPr>
+          <p:cNvPr id="4" name="Marcador de texto 3">
+            <a:extLst>
+              <a:ext uri="{FF2B5EF4-FFF2-40B4-BE49-F238E27FC236}">
+                <a16:creationId xmlns:a16="http://schemas.microsoft.com/office/drawing/2014/main" id="{9A636854-3477-DDBE-0D70-3BA2F9DEE34C}"/>
+              </a:ext>
+            </a:extLst>
+          </p:cNvPr>
+          <p:cNvSpPr>
+            <a:spLocks noGrp="1"/>
+          </p:cNvSpPr>
+          <p:nvPr>
+            <p:ph type="body" sz="half" idx="2"/>
+          </p:nvPr>
+        </p:nvSpPr>
+        <p:spPr>
+          <a:xfrm>
+            <a:off x="899592" y="2288363"/>
+            <a:ext cx="7432589" cy="1605049"/>
+          </a:xfrm>
+        </p:spPr>
+        <p:txBody>
+          <a:bodyPr>
+            <a:noAutofit/>
+          </a:bodyPr>
+          <a:lstStyle/>
+          <a:p>
+            <a:pPr algn="l"/>
+            <a:r>
+              <a:rPr lang="es-CO" sz="1800" b="1" noProof="0" dirty="0">
+                <a:latin typeface="+mj-lt"/>
+              </a:rPr>
+              <a:t>Diseñe un algoritmo encienda un led</a:t>
+            </a:r>
+            <a:r>
+              <a:rPr lang="es-CO" sz="1800" b="1" dirty="0">
+                <a:latin typeface="+mj-lt"/>
+              </a:rPr>
+              <a:t> </a:t>
+            </a:r>
+            <a:r>
+              <a:rPr lang="es-CO" sz="1800" b="1" noProof="0" dirty="0">
+                <a:latin typeface="+mj-lt"/>
+              </a:rPr>
+              <a:t>Y lo apague con una frecuencia de 1 segundo. </a:t>
+            </a:r>
+          </a:p>
+        </p:txBody>
+      </p:sp>
+      <p:sp>
+        <p:nvSpPr>
+          <p:cNvPr id="10" name="1 Título">
+            <a:extLst>
+              <a:ext uri="{FF2B5EF4-FFF2-40B4-BE49-F238E27FC236}">
+                <a16:creationId xmlns:a16="http://schemas.microsoft.com/office/drawing/2014/main" id="{E793B3AB-3600-2CE0-B360-235E3B074522}"/>
+              </a:ext>
+            </a:extLst>
+          </p:cNvPr>
+          <p:cNvSpPr txBox="1">
+            <a:spLocks/>
+          </p:cNvSpPr>
+          <p:nvPr/>
+        </p:nvSpPr>
+        <p:spPr bwMode="auto">
+          <a:xfrm>
+            <a:off x="0" y="-28575"/>
+            <a:ext cx="779463" cy="720725"/>
+          </a:xfrm>
+          <a:prstGeom prst="rect">
+            <a:avLst/>
+          </a:prstGeom>
+          <a:noFill/>
+          <a:ln>
+            <a:noFill/>
+          </a:ln>
+          <a:extLst>
+            <a:ext uri="{909E8E84-426E-40DD-AFC4-6F175D3DCCD1}">
+              <a14:hiddenFill xmlns:a14="http://schemas.microsoft.com/office/drawing/2010/main">
+                <a:solidFill>
+                  <a:srgbClr val="FFFFFF"/>
+                </a:solidFill>
+              </a14:hiddenFill>
+            </a:ext>
+            <a:ext uri="{91240B29-F687-4F45-9708-019B960494DF}">
+              <a14:hiddenLine xmlns:a14="http://schemas.microsoft.com/office/drawing/2010/main" w="9525">
+                <a:solidFill>
+                  <a:srgbClr val="000000"/>
+                </a:solidFill>
+                <a:miter lim="800000"/>
+                <a:headEnd/>
+                <a:tailEnd/>
+              </a14:hiddenLine>
+            </a:ext>
+          </a:extLst>
+        </p:spPr>
+        <p:txBody>
+          <a:bodyPr vert="horz" wrap="square" lIns="91440" tIns="45720" rIns="91440" bIns="45720" numCol="1" anchor="b" anchorCtr="0" compatLnSpc="1">
+            <a:prstTxWarp prst="textNoShape">
+              <a:avLst/>
+            </a:prstTxWarp>
+          </a:bodyPr>
+          <a:lstStyle>
+            <a:lvl1pPr algn="l" rtl="0" eaLnBrk="0" fontAlgn="base" hangingPunct="0">
+              <a:spcBef>
+                <a:spcPct val="0"/>
+              </a:spcBef>
+              <a:spcAft>
+                <a:spcPct val="0"/>
+              </a:spcAft>
+              <a:defRPr sz="2000" b="1" kern="1200">
+                <a:solidFill>
+                  <a:schemeClr val="tx1"/>
+                </a:solidFill>
+                <a:latin typeface="Arial" pitchFamily="34" charset="0"/>
+                <a:ea typeface="+mj-ea"/>
+                <a:cs typeface="Arial" pitchFamily="34" charset="0"/>
+              </a:defRPr>
+            </a:lvl1pPr>
+            <a:lvl2pPr algn="l" rtl="0" eaLnBrk="0" fontAlgn="base" hangingPunct="0">
+              <a:spcBef>
+                <a:spcPct val="0"/>
+              </a:spcBef>
+              <a:spcAft>
+                <a:spcPct val="0"/>
+              </a:spcAft>
+              <a:defRPr sz="4400">
+                <a:solidFill>
+                  <a:schemeClr val="tx1"/>
+                </a:solidFill>
+                <a:latin typeface="Arial" charset="0"/>
+                <a:cs typeface="Arial" charset="0"/>
+              </a:defRPr>
+            </a:lvl2pPr>
+            <a:lvl3pPr algn="l" rtl="0" eaLnBrk="0" fontAlgn="base" hangingPunct="0">
+              <a:spcBef>
+                <a:spcPct val="0"/>
+              </a:spcBef>
+              <a:spcAft>
+                <a:spcPct val="0"/>
+              </a:spcAft>
+              <a:defRPr sz="4400">
+                <a:solidFill>
+                  <a:schemeClr val="tx1"/>
+                </a:solidFill>
+                <a:latin typeface="Arial" charset="0"/>
+                <a:cs typeface="Arial" charset="0"/>
+              </a:defRPr>
+            </a:lvl3pPr>
+            <a:lvl4pPr algn="l" rtl="0" eaLnBrk="0" fontAlgn="base" hangingPunct="0">
+              <a:spcBef>
+                <a:spcPct val="0"/>
+              </a:spcBef>
+              <a:spcAft>
+                <a:spcPct val="0"/>
+              </a:spcAft>
+              <a:defRPr sz="4400">
+                <a:solidFill>
+                  <a:schemeClr val="tx1"/>
+                </a:solidFill>
+                <a:latin typeface="Arial" charset="0"/>
+                <a:cs typeface="Arial" charset="0"/>
+              </a:defRPr>
+            </a:lvl4pPr>
+            <a:lvl5pPr algn="l" rtl="0" eaLnBrk="0" fontAlgn="base" hangingPunct="0">
+              <a:spcBef>
+                <a:spcPct val="0"/>
+              </a:spcBef>
+              <a:spcAft>
+                <a:spcPct val="0"/>
+              </a:spcAft>
+              <a:defRPr sz="4400">
+                <a:solidFill>
+                  <a:schemeClr val="tx1"/>
+                </a:solidFill>
+                <a:latin typeface="Arial" charset="0"/>
+                <a:cs typeface="Arial" charset="0"/>
+              </a:defRPr>
+            </a:lvl5pPr>
+            <a:lvl6pPr marL="457200" algn="l" rtl="0" fontAlgn="base">
+              <a:spcBef>
+                <a:spcPct val="0"/>
+              </a:spcBef>
+              <a:spcAft>
+                <a:spcPct val="0"/>
+              </a:spcAft>
+              <a:defRPr sz="4400">
+                <a:solidFill>
+                  <a:schemeClr val="tx1"/>
+                </a:solidFill>
+                <a:latin typeface="Arial" charset="0"/>
+                <a:cs typeface="Arial" charset="0"/>
+              </a:defRPr>
+            </a:lvl6pPr>
+            <a:lvl7pPr marL="914400" algn="l" rtl="0" fontAlgn="base">
+              <a:spcBef>
+                <a:spcPct val="0"/>
+              </a:spcBef>
+              <a:spcAft>
+                <a:spcPct val="0"/>
+              </a:spcAft>
+              <a:defRPr sz="4400">
+                <a:solidFill>
+                  <a:schemeClr val="tx1"/>
+                </a:solidFill>
+                <a:latin typeface="Arial" charset="0"/>
+                <a:cs typeface="Arial" charset="0"/>
+              </a:defRPr>
+            </a:lvl7pPr>
+            <a:lvl8pPr marL="1371600" algn="l" rtl="0" fontAlgn="base">
+              <a:spcBef>
+                <a:spcPct val="0"/>
+              </a:spcBef>
+              <a:spcAft>
+                <a:spcPct val="0"/>
+              </a:spcAft>
+              <a:defRPr sz="4400">
+                <a:solidFill>
+                  <a:schemeClr val="tx1"/>
+                </a:solidFill>
+                <a:latin typeface="Arial" charset="0"/>
+                <a:cs typeface="Arial" charset="0"/>
+              </a:defRPr>
+            </a:lvl8pPr>
+            <a:lvl9pPr marL="1828800" algn="l" rtl="0" fontAlgn="base">
+              <a:spcBef>
+                <a:spcPct val="0"/>
+              </a:spcBef>
+              <a:spcAft>
+                <a:spcPct val="0"/>
+              </a:spcAft>
+              <a:defRPr sz="4400">
+                <a:solidFill>
+                  <a:schemeClr val="tx1"/>
+                </a:solidFill>
+                <a:latin typeface="Arial" charset="0"/>
+                <a:cs typeface="Arial" charset="0"/>
+              </a:defRPr>
+            </a:lvl9pPr>
+          </a:lstStyle>
+          <a:p>
+            <a:pPr algn="ctr" eaLnBrk="1" hangingPunct="1"/>
+            <a:r>
+              <a:rPr lang="es-CO" altLang="es-CO" sz="3200" b="0" dirty="0"/>
+              <a:t>5</a:t>
+            </a:r>
+            <a:endParaRPr lang="es-CO" altLang="es-CO" sz="3600" b="0" dirty="0"/>
+          </a:p>
+        </p:txBody>
+      </p:sp>
+      <p:pic>
+        <p:nvPicPr>
+          <p:cNvPr id="14" name="Picture 4" descr="Programas - Intranet ETITC">
+            <a:extLst>
+              <a:ext uri="{FF2B5EF4-FFF2-40B4-BE49-F238E27FC236}">
+                <a16:creationId xmlns:a16="http://schemas.microsoft.com/office/drawing/2014/main" id="{BE864C20-2F9A-732C-2D72-0632B4E799D5}"/>
+              </a:ext>
+            </a:extLst>
+          </p:cNvPr>
+          <p:cNvPicPr>
+            <a:picLocks noChangeAspect="1" noChangeArrowheads="1"/>
+          </p:cNvPicPr>
+          <p:nvPr/>
+        </p:nvPicPr>
+        <p:blipFill>
+          <a:blip r:embed="rId2">
+            <a:extLst>
+              <a:ext uri="{28A0092B-C50C-407E-A947-70E740481C1C}">
+                <a14:useLocalDpi xmlns:a14="http://schemas.microsoft.com/office/drawing/2010/main" val="0"/>
+              </a:ext>
+            </a:extLst>
+          </a:blip>
+          <a:srcRect/>
+          <a:stretch>
+            <a:fillRect/>
+          </a:stretch>
+        </p:blipFill>
+        <p:spPr bwMode="auto">
+          <a:xfrm>
+            <a:off x="795338" y="44758"/>
+            <a:ext cx="2483768" cy="794720"/>
+          </a:xfrm>
+          <a:prstGeom prst="rect">
+            <a:avLst/>
+          </a:prstGeom>
+          <a:noFill/>
+          <a:extLst>
+            <a:ext uri="{909E8E84-426E-40DD-AFC4-6F175D3DCCD1}">
+              <a14:hiddenFill xmlns:a14="http://schemas.microsoft.com/office/drawing/2010/main">
+                <a:solidFill>
+                  <a:srgbClr val="FFFFFF"/>
+                </a:solidFill>
+              </a14:hiddenFill>
+            </a:ext>
+          </a:extLst>
+        </p:spPr>
+      </p:pic>
+      <p:sp>
+        <p:nvSpPr>
+          <p:cNvPr id="5" name="2 Subtítulo">
+            <a:extLst>
+              <a:ext uri="{FF2B5EF4-FFF2-40B4-BE49-F238E27FC236}">
+                <a16:creationId xmlns:a16="http://schemas.microsoft.com/office/drawing/2014/main" id="{1C4C2ACA-906C-4767-FA80-706B8195FD04}"/>
+              </a:ext>
+            </a:extLst>
+          </p:cNvPr>
+          <p:cNvSpPr txBox="1">
+            <a:spLocks/>
+          </p:cNvSpPr>
+          <p:nvPr/>
+        </p:nvSpPr>
+        <p:spPr bwMode="auto">
+          <a:xfrm>
+            <a:off x="2267744" y="259824"/>
+            <a:ext cx="6400800" cy="500063"/>
+          </a:xfrm>
+          <a:prstGeom prst="rect">
+            <a:avLst/>
+          </a:prstGeom>
+          <a:noFill/>
+          <a:ln>
+            <a:noFill/>
+          </a:ln>
+          <a:extLst>
+            <a:ext uri="{909E8E84-426E-40DD-AFC4-6F175D3DCCD1}">
+              <a14:hiddenFill xmlns:a14="http://schemas.microsoft.com/office/drawing/2010/main">
+                <a:solidFill>
+                  <a:srgbClr val="FFFFFF"/>
+                </a:solidFill>
+              </a14:hiddenFill>
+            </a:ext>
+            <a:ext uri="{91240B29-F687-4F45-9708-019B960494DF}">
+              <a14:hiddenLine xmlns:a14="http://schemas.microsoft.com/office/drawing/2010/main" w="9525">
+                <a:solidFill>
+                  <a:srgbClr val="000000"/>
+                </a:solidFill>
+                <a:miter lim="800000"/>
+                <a:headEnd/>
+                <a:tailEnd/>
+              </a14:hiddenLine>
+            </a:ext>
+          </a:extLst>
+        </p:spPr>
+        <p:txBody>
+          <a:bodyPr vert="horz" wrap="square" lIns="91440" tIns="45720" rIns="91440" bIns="45720" numCol="1" rtlCol="0" anchor="t" anchorCtr="0" compatLnSpc="1">
+            <a:prstTxWarp prst="textNoShape">
+              <a:avLst/>
+            </a:prstTxWarp>
+            <a:noAutofit/>
+          </a:bodyPr>
+          <a:lstStyle>
+            <a:lvl1pPr marL="342900" indent="-342900" algn="l" rtl="0" eaLnBrk="0" fontAlgn="base" hangingPunct="0">
+              <a:spcBef>
+                <a:spcPct val="20000"/>
+              </a:spcBef>
+              <a:spcAft>
+                <a:spcPct val="0"/>
+              </a:spcAft>
+              <a:buFont typeface="Arial" panose="020B0604020202020204" pitchFamily="34" charset="0"/>
+              <a:buChar char="•"/>
+              <a:defRPr sz="3200" kern="1200">
+                <a:solidFill>
+                  <a:schemeClr val="tx1"/>
+                </a:solidFill>
+                <a:latin typeface="Arial" pitchFamily="34" charset="0"/>
+                <a:ea typeface="+mn-ea"/>
+                <a:cs typeface="Arial" pitchFamily="34" charset="0"/>
+              </a:defRPr>
+            </a:lvl1pPr>
+            <a:lvl2pPr marL="742950" indent="-285750" algn="l" rtl="0" eaLnBrk="0" fontAlgn="base" hangingPunct="0">
+              <a:spcBef>
+                <a:spcPct val="20000"/>
+              </a:spcBef>
+              <a:spcAft>
+                <a:spcPct val="0"/>
+              </a:spcAft>
+              <a:buFont typeface="Arial" panose="020B0604020202020204" pitchFamily="34" charset="0"/>
+              <a:buChar char="–"/>
+              <a:defRPr sz="2800" kern="1200">
+                <a:solidFill>
+                  <a:schemeClr val="tx1"/>
+                </a:solidFill>
+                <a:latin typeface="Arial" pitchFamily="34" charset="0"/>
+                <a:ea typeface="+mn-ea"/>
+                <a:cs typeface="Arial" pitchFamily="34" charset="0"/>
+              </a:defRPr>
+            </a:lvl2pPr>
+            <a:lvl3pPr marL="1143000" indent="-228600" algn="l" rtl="0" eaLnBrk="0" fontAlgn="base" hangingPunct="0">
+              <a:spcBef>
+                <a:spcPct val="20000"/>
+              </a:spcBef>
+              <a:spcAft>
+                <a:spcPct val="0"/>
+              </a:spcAft>
+              <a:buFont typeface="Arial" panose="020B0604020202020204" pitchFamily="34" charset="0"/>
+              <a:buChar char="•"/>
+              <a:defRPr sz="2400" kern="1200">
+                <a:solidFill>
+                  <a:schemeClr val="tx1"/>
+                </a:solidFill>
+                <a:latin typeface="Arial" pitchFamily="34" charset="0"/>
+                <a:ea typeface="+mn-ea"/>
+                <a:cs typeface="Arial" pitchFamily="34" charset="0"/>
+              </a:defRPr>
+            </a:lvl3pPr>
+            <a:lvl4pPr marL="1600200" indent="-228600" algn="l" rtl="0" eaLnBrk="0" fontAlgn="base" hangingPunct="0">
+              <a:spcBef>
+                <a:spcPct val="20000"/>
+              </a:spcBef>
+              <a:spcAft>
+                <a:spcPct val="0"/>
+              </a:spcAft>
+              <a:buFont typeface="Arial" panose="020B0604020202020204" pitchFamily="34" charset="0"/>
+              <a:buChar char="–"/>
+              <a:defRPr sz="2000" kern="1200">
+                <a:solidFill>
+                  <a:schemeClr val="tx1"/>
+                </a:solidFill>
+                <a:latin typeface="Arial" pitchFamily="34" charset="0"/>
+                <a:ea typeface="+mn-ea"/>
+                <a:cs typeface="Arial" pitchFamily="34" charset="0"/>
+              </a:defRPr>
+            </a:lvl4pPr>
+            <a:lvl5pPr marL="2057400" indent="-228600" algn="l" rtl="0" eaLnBrk="0" fontAlgn="base" hangingPunct="0">
+              <a:spcBef>
+                <a:spcPct val="20000"/>
+              </a:spcBef>
+              <a:spcAft>
+                <a:spcPct val="0"/>
+              </a:spcAft>
+              <a:buFont typeface="Arial" panose="020B0604020202020204" pitchFamily="34" charset="0"/>
+              <a:buChar char="»"/>
+              <a:defRPr sz="2000" kern="1200">
+                <a:solidFill>
+                  <a:schemeClr val="tx1"/>
+                </a:solidFill>
+                <a:latin typeface="Arial" pitchFamily="34" charset="0"/>
+                <a:ea typeface="+mn-ea"/>
+                <a:cs typeface="Arial" pitchFamily="34" charset="0"/>
+              </a:defRPr>
+            </a:lvl5pPr>
+            <a:lvl6pPr marL="2514600" indent="-228600" algn="l" defTabSz="914400" rtl="0" eaLnBrk="1" latinLnBrk="0" hangingPunct="1">
+              <a:spcBef>
+                <a:spcPct val="20000"/>
+              </a:spcBef>
+              <a:buFont typeface="Arial" pitchFamily="34" charset="0"/>
+              <a:buChar char="•"/>
+              <a:defRPr sz="2000" kern="1200">
+                <a:solidFill>
+                  <a:schemeClr val="tx1"/>
+                </a:solidFill>
+                <a:latin typeface="+mn-lt"/>
+                <a:ea typeface="+mn-ea"/>
+                <a:cs typeface="+mn-cs"/>
+              </a:defRPr>
+            </a:lvl6pPr>
+            <a:lvl7pPr marL="2971800" indent="-228600" algn="l" defTabSz="914400" rtl="0" eaLnBrk="1" latinLnBrk="0" hangingPunct="1">
+              <a:spcBef>
+                <a:spcPct val="20000"/>
+              </a:spcBef>
+              <a:buFont typeface="Arial" pitchFamily="34" charset="0"/>
+              <a:buChar char="•"/>
+              <a:defRPr sz="2000" kern="1200">
+                <a:solidFill>
+                  <a:schemeClr val="tx1"/>
+                </a:solidFill>
+                <a:latin typeface="+mn-lt"/>
+                <a:ea typeface="+mn-ea"/>
+                <a:cs typeface="+mn-cs"/>
+              </a:defRPr>
+            </a:lvl7pPr>
+            <a:lvl8pPr marL="3429000" indent="-228600" algn="l" defTabSz="914400" rtl="0" eaLnBrk="1" latinLnBrk="0" hangingPunct="1">
+              <a:spcBef>
+                <a:spcPct val="20000"/>
+              </a:spcBef>
+              <a:buFont typeface="Arial" pitchFamily="34" charset="0"/>
+              <a:buChar char="•"/>
+              <a:defRPr sz="2000" kern="1200">
+                <a:solidFill>
+                  <a:schemeClr val="tx1"/>
+                </a:solidFill>
+                <a:latin typeface="+mn-lt"/>
+                <a:ea typeface="+mn-ea"/>
+                <a:cs typeface="+mn-cs"/>
+              </a:defRPr>
+            </a:lvl8pPr>
+            <a:lvl9pPr marL="3886200" indent="-228600" algn="l" defTabSz="914400" rtl="0" eaLnBrk="1" latinLnBrk="0" hangingPunct="1">
+              <a:spcBef>
+                <a:spcPct val="20000"/>
+              </a:spcBef>
+              <a:buFont typeface="Arial" pitchFamily="34" charset="0"/>
+              <a:buChar char="•"/>
+              <a:defRPr sz="2000" kern="1200">
+                <a:solidFill>
+                  <a:schemeClr val="tx1"/>
+                </a:solidFill>
+                <a:latin typeface="+mn-lt"/>
+                <a:ea typeface="+mn-ea"/>
+                <a:cs typeface="+mn-cs"/>
+              </a:defRPr>
+            </a:lvl9pPr>
+          </a:lstStyle>
+          <a:p>
+            <a:pPr marL="0" indent="0" algn="r" eaLnBrk="1" fontAlgn="auto" hangingPunct="1">
+              <a:spcAft>
+                <a:spcPts val="0"/>
+              </a:spcAft>
+              <a:buNone/>
+              <a:defRPr/>
+            </a:pPr>
+            <a:r>
+              <a:rPr lang="es-CO" sz="2000" b="1" dirty="0">
+                <a:solidFill>
+                  <a:schemeClr val="tx1">
+                    <a:lumMod val="75000"/>
+                    <a:lumOff val="25000"/>
+                  </a:schemeClr>
+                </a:solidFill>
+              </a:rPr>
+              <a:t> 6025 MICROCONTROLADORES</a:t>
+            </a:r>
+          </a:p>
+        </p:txBody>
+      </p:sp>
+    </p:spTree>
+    <p:extLst>
+      <p:ext uri="{BB962C8B-B14F-4D97-AF65-F5344CB8AC3E}">
+        <p14:creationId xmlns:p14="http://schemas.microsoft.com/office/powerpoint/2010/main" val="2367633575"/>
+      </p:ext>
+    </p:extLst>
+  </p:cSld>
+  <p:clrMapOvr>
+    <a:masterClrMapping/>
+  </p:clrMapOvr>
+</p:sld>
+</file>
+
+<file path=ppt/slides/slide6.xml><?xml version="1.0" encoding="utf-8"?>
+<p:sld xmlns:a="http://schemas.openxmlformats.org/drawingml/2006/main" xmlns:r="http://schemas.openxmlformats.org/officeDocument/2006/relationships" xmlns:p="http://schemas.openxmlformats.org/presentationml/2006/main">
+  <p:cSld>
+    <p:spTree>
+      <p:nvGrpSpPr>
+        <p:cNvPr id="1" name="">
+          <a:extLst>
+            <a:ext uri="{FF2B5EF4-FFF2-40B4-BE49-F238E27FC236}">
               <a16:creationId xmlns:a16="http://schemas.microsoft.com/office/drawing/2014/main" id="{3B3708A2-FD72-630D-666A-171559AA2F6A}"/>
             </a:ext>
           </a:extLst>
@@ -13191,7 +14491,7 @@
             <a:pPr algn="ctr" eaLnBrk="1" hangingPunct="1"/>
             <a:r>
               <a:rPr lang="es-CO" altLang="es-CO" sz="3200" b="0" dirty="0"/>
-              <a:t>4</a:t>
+              <a:t>6</a:t>
             </a:r>
             <a:endParaRPr lang="es-CO" altLang="es-CO" sz="3600" b="0" dirty="0"/>
           </a:p>
@@ -14346,6 +15646,14 @@
 </file>
 
 <file path=customXml/item1.xml><?xml version="1.0" encoding="utf-8"?>
+<p:properties xmlns:p="http://schemas.microsoft.com/office/2006/metadata/properties" xmlns:xsi="http://www.w3.org/2001/XMLSchema-instance" xmlns:pc="http://schemas.microsoft.com/office/infopath/2007/PartnerControls">
+  <documentManagement>
+    <_activity xmlns="bdc56f61-abc0-4f7e-bfec-a93ccd1ae886" xsi:nil="true"/>
+  </documentManagement>
+</p:properties>
+</file>
+
+<file path=customXml/item2.xml><?xml version="1.0" encoding="utf-8"?>
 <?mso-contentType ?>
 <FormTemplates xmlns="http://schemas.microsoft.com/sharepoint/v3/contenttype/forms">
   <Display>DocumentLibraryForm</Display>
@@ -14354,7 +15662,7 @@
 </FormTemplates>
 </file>
 
-<file path=customXml/item2.xml><?xml version="1.0" encoding="utf-8"?>
+<file path=customXml/item3.xml><?xml version="1.0" encoding="utf-8"?>
 <ct:contentTypeSchema xmlns:ct="http://schemas.microsoft.com/office/2006/metadata/contentType" xmlns:ma="http://schemas.microsoft.com/office/2006/metadata/properties/metaAttributes" ct:_="" ma:_="" ma:contentTypeName="Documento" ma:contentTypeID="0x0101007A62137D465CE64A8C883A4664514BF8" ma:contentTypeVersion="15" ma:contentTypeDescription="Crear nuevo documento." ma:contentTypeScope="" ma:versionID="a1bd1d59f691eb9bca6952b111268275">
   <xsd:schema xmlns:xsd="http://www.w3.org/2001/XMLSchema" xmlns:xs="http://www.w3.org/2001/XMLSchema" xmlns:p="http://schemas.microsoft.com/office/2006/metadata/properties" xmlns:ns3="669280c1-d17e-4d1d-bd7f-b4f14cc6bf1d" xmlns:ns4="bdc56f61-abc0-4f7e-bfec-a93ccd1ae886" targetNamespace="http://schemas.microsoft.com/office/2006/metadata/properties" ma:root="true" ma:fieldsID="d02990a02f19f0f9fc7b999b1809cae4" ns3:_="" ns4:_="">
     <xsd:import namespace="669280c1-d17e-4d1d-bd7f-b4f14cc6bf1d"/>
@@ -14589,15 +15897,24 @@
 </ct:contentTypeSchema>
 </file>
 
-<file path=customXml/item3.xml><?xml version="1.0" encoding="utf-8"?>
-<p:properties xmlns:p="http://schemas.microsoft.com/office/2006/metadata/properties" xmlns:xsi="http://www.w3.org/2001/XMLSchema-instance" xmlns:pc="http://schemas.microsoft.com/office/infopath/2007/PartnerControls">
-  <documentManagement>
-    <_activity xmlns="bdc56f61-abc0-4f7e-bfec-a93ccd1ae886" xsi:nil="true"/>
-  </documentManagement>
-</p:properties>
+<file path=customXml/itemProps1.xml><?xml version="1.0" encoding="utf-8"?>
+<ds:datastoreItem xmlns:ds="http://schemas.openxmlformats.org/officeDocument/2006/customXml" ds:itemID="{0825853C-1B27-4995-A583-4D39F900BB7F}">
+  <ds:schemaRefs>
+    <ds:schemaRef ds:uri="http://schemas.microsoft.com/office/2006/documentManagement/types"/>
+    <ds:schemaRef ds:uri="http://purl.org/dc/dcmitype/"/>
+    <ds:schemaRef ds:uri="http://schemas.openxmlformats.org/package/2006/metadata/core-properties"/>
+    <ds:schemaRef ds:uri="669280c1-d17e-4d1d-bd7f-b4f14cc6bf1d"/>
+    <ds:schemaRef ds:uri="http://purl.org/dc/elements/1.1/"/>
+    <ds:schemaRef ds:uri="http://purl.org/dc/terms/"/>
+    <ds:schemaRef ds:uri="http://schemas.microsoft.com/office/infopath/2007/PartnerControls"/>
+    <ds:schemaRef ds:uri="bdc56f61-abc0-4f7e-bfec-a93ccd1ae886"/>
+    <ds:schemaRef ds:uri="http://schemas.microsoft.com/office/2006/metadata/properties"/>
+    <ds:schemaRef ds:uri="http://www.w3.org/XML/1998/namespace"/>
+  </ds:schemaRefs>
+</ds:datastoreItem>
 </file>
 
-<file path=customXml/itemProps1.xml><?xml version="1.0" encoding="utf-8"?>
+<file path=customXml/itemProps2.xml><?xml version="1.0" encoding="utf-8"?>
 <ds:datastoreItem xmlns:ds="http://schemas.openxmlformats.org/officeDocument/2006/customXml" ds:itemID="{4E8623C8-32E1-48B0-9F0A-13F2E9582B7E}">
   <ds:schemaRefs>
     <ds:schemaRef ds:uri="http://schemas.microsoft.com/sharepoint/v3/contenttype/forms"/>
@@ -14605,7 +15922,7 @@
 </ds:datastoreItem>
 </file>
 
-<file path=customXml/itemProps2.xml><?xml version="1.0" encoding="utf-8"?>
+<file path=customXml/itemProps3.xml><?xml version="1.0" encoding="utf-8"?>
 <ds:datastoreItem xmlns:ds="http://schemas.openxmlformats.org/officeDocument/2006/customXml" ds:itemID="{025820C3-FD82-4EFC-BF14-EAF1F9613F52}">
   <ds:schemaRefs>
     <ds:schemaRef ds:uri="http://schemas.microsoft.com/office/2006/metadata/contentType"/>
@@ -14622,21 +15939,4 @@
     <ds:schemaRef ds:uri="http://schemas.microsoft.com/internal/obd"/>
   </ds:schemaRefs>
 </ds:datastoreItem>
-</file>
-
-<file path=customXml/itemProps3.xml><?xml version="1.0" encoding="utf-8"?>
-<ds:datastoreItem xmlns:ds="http://schemas.openxmlformats.org/officeDocument/2006/customXml" ds:itemID="{0825853C-1B27-4995-A583-4D39F900BB7F}">
-  <ds:schemaRefs>
-    <ds:schemaRef ds:uri="http://schemas.microsoft.com/office/2006/documentManagement/types"/>
-    <ds:schemaRef ds:uri="http://purl.org/dc/dcmitype/"/>
-    <ds:schemaRef ds:uri="http://schemas.openxmlformats.org/package/2006/metadata/core-properties"/>
-    <ds:schemaRef ds:uri="669280c1-d17e-4d1d-bd7f-b4f14cc6bf1d"/>
-    <ds:schemaRef ds:uri="http://purl.org/dc/elements/1.1/"/>
-    <ds:schemaRef ds:uri="http://purl.org/dc/terms/"/>
-    <ds:schemaRef ds:uri="http://schemas.microsoft.com/office/infopath/2007/PartnerControls"/>
-    <ds:schemaRef ds:uri="bdc56f61-abc0-4f7e-bfec-a93ccd1ae886"/>
-    <ds:schemaRef ds:uri="http://schemas.microsoft.com/office/2006/metadata/properties"/>
-    <ds:schemaRef ds:uri="http://www.w3.org/XML/1998/namespace"/>
-  </ds:schemaRefs>
-</ds:datastoreItem>
 </file>